--- a/杨柳青-转正述职.pptx
+++ b/杨柳青-转正述职.pptx
@@ -5,21 +5,20 @@
     <p:sldMasterId id="2147483648" r:id="rId2"/>
     <p:sldMasterId id="2147483661" r:id="rId3"/>
     <p:sldMasterId id="2147483674" r:id="rId4"/>
-    <p:sldMasterId id="2147483687" r:id="rId5"/>
   </p:sldMasterIdLst>
   <p:notesMasterIdLst>
-    <p:notesMasterId r:id="rId6"/>
+    <p:notesMasterId r:id="rId5"/>
   </p:notesMasterIdLst>
   <p:sldIdLst>
-    <p:sldId id="256" r:id="rId7"/>
-    <p:sldId id="257" r:id="rId8"/>
-    <p:sldId id="258" r:id="rId9"/>
-    <p:sldId id="259" r:id="rId10"/>
-    <p:sldId id="260" r:id="rId11"/>
-    <p:sldId id="261" r:id="rId12"/>
-    <p:sldId id="262" r:id="rId13"/>
-    <p:sldId id="263" r:id="rId14"/>
-    <p:sldId id="264" r:id="rId15"/>
+    <p:sldId id="256" r:id="rId6"/>
+    <p:sldId id="257" r:id="rId7"/>
+    <p:sldId id="258" r:id="rId8"/>
+    <p:sldId id="259" r:id="rId9"/>
+    <p:sldId id="260" r:id="rId10"/>
+    <p:sldId id="261" r:id="rId11"/>
+    <p:sldId id="262" r:id="rId12"/>
+    <p:sldId id="263" r:id="rId13"/>
+    <p:sldId id="264" r:id="rId14"/>
   </p:sldIdLst>
   <p:sldSz cx="12192000" cy="6858000"/>
   <p:notesSz cx="6858000" cy="9144000"/>
@@ -45,7 +44,7 @@
       </p:grpSpPr>
       <p:sp>
         <p:nvSpPr>
-          <p:cNvPr id="159" name="PlaceHolder 1"/>
+          <p:cNvPr id="121" name="PlaceHolder 1"/>
           <p:cNvSpPr>
             <a:spLocks noGrp="1"/>
           </p:cNvSpPr>
@@ -80,7 +79,7 @@
       </p:sp>
       <p:sp>
         <p:nvSpPr>
-          <p:cNvPr id="160" name="PlaceHolder 2"/>
+          <p:cNvPr id="122" name="PlaceHolder 2"/>
           <p:cNvSpPr>
             <a:spLocks noGrp="1"/>
           </p:cNvSpPr>
@@ -114,7 +113,7 @@
       </p:sp>
       <p:sp>
         <p:nvSpPr>
-          <p:cNvPr id="161" name="PlaceHolder 3"/>
+          <p:cNvPr id="123" name="PlaceHolder 3"/>
           <p:cNvSpPr>
             <a:spLocks noGrp="1"/>
           </p:cNvSpPr>
@@ -138,7 +137,7 @@
               <a:rPr b="0" lang="en-US" sz="1400" spc="-1" strike="noStrike">
                 <a:latin typeface="Times New Roman"/>
               </a:rPr>
-              <a:t> </a:t>
+              <a:t>&lt;页眉&gt;</a:t>
             </a:r>
             <a:endParaRPr b="0" lang="en-US" sz="1400" spc="-1" strike="noStrike">
               <a:latin typeface="Times New Roman"/>
@@ -148,7 +147,7 @@
       </p:sp>
       <p:sp>
         <p:nvSpPr>
-          <p:cNvPr id="162" name="PlaceHolder 4"/>
+          <p:cNvPr id="124" name="PlaceHolder 4"/>
           <p:cNvSpPr>
             <a:spLocks noGrp="1"/>
           </p:cNvSpPr>
@@ -173,7 +172,7 @@
               <a:rPr b="0" lang="en-US" sz="1400" spc="-1" strike="noStrike">
                 <a:latin typeface="Times New Roman"/>
               </a:rPr>
-              <a:t> </a:t>
+              <a:t>&lt;日期/时间&gt;</a:t>
             </a:r>
             <a:endParaRPr b="0" lang="en-US" sz="1400" spc="-1" strike="noStrike">
               <a:latin typeface="Times New Roman"/>
@@ -183,7 +182,7 @@
       </p:sp>
       <p:sp>
         <p:nvSpPr>
-          <p:cNvPr id="163" name="PlaceHolder 5"/>
+          <p:cNvPr id="125" name="PlaceHolder 5"/>
           <p:cNvSpPr>
             <a:spLocks noGrp="1"/>
           </p:cNvSpPr>
@@ -217,7 +216,7 @@
       </p:sp>
       <p:sp>
         <p:nvSpPr>
-          <p:cNvPr id="164" name="PlaceHolder 6"/>
+          <p:cNvPr id="126" name="PlaceHolder 6"/>
           <p:cNvSpPr>
             <a:spLocks noGrp="1"/>
           </p:cNvSpPr>
@@ -238,7 +237,7 @@
           <a:bodyPr lIns="0" rIns="0" tIns="0" bIns="0" anchor="b"/>
           <a:p>
             <a:pPr algn="r"/>
-            <a:fld id="{F24DF986-93A0-4F01-8B06-CE8D304A299F}" type="slidenum">
+            <a:fld id="{908715D3-4F7C-43EA-A516-C950FDD17BDA}" type="slidenum">
               <a:rPr b="0" lang="en-US" sz="1400" spc="-1" strike="noStrike">
                 <a:latin typeface="Times New Roman"/>
               </a:rPr>
@@ -275,7 +274,7 @@
       </p:grpSpPr>
       <p:sp>
         <p:nvSpPr>
-          <p:cNvPr id="185" name="PlaceHolder 1"/>
+          <p:cNvPr id="147" name="PlaceHolder 1"/>
           <p:cNvSpPr>
             <a:spLocks noGrp="1"/>
           </p:cNvSpPr>
@@ -286,16 +285,16 @@
         <p:spPr>
           <a:xfrm>
             <a:off x="685800" y="1143000"/>
-            <a:ext cx="5485680" cy="3085560"/>
-          </a:xfrm>
-          <a:prstGeom prst="rect">
-            <a:avLst/>
-          </a:prstGeom>
-        </p:spPr>
-      </p:sp>
-      <p:sp>
-        <p:nvSpPr>
-          <p:cNvPr id="186" name="PlaceHolder 2"/>
+            <a:ext cx="5485320" cy="3085200"/>
+          </a:xfrm>
+          <a:prstGeom prst="rect">
+            <a:avLst/>
+          </a:prstGeom>
+        </p:spPr>
+      </p:sp>
+      <p:sp>
+        <p:nvSpPr>
+          <p:cNvPr id="148" name="PlaceHolder 2"/>
           <p:cNvSpPr>
             <a:spLocks noGrp="1"/>
           </p:cNvSpPr>
@@ -306,7 +305,7 @@
         <p:spPr>
           <a:xfrm>
             <a:off x="685800" y="4400640"/>
-            <a:ext cx="5485680" cy="3599640"/>
+            <a:ext cx="5485320" cy="3599280"/>
           </a:xfrm>
           <a:prstGeom prst="rect">
             <a:avLst/>
@@ -323,14 +322,14 @@
       </p:sp>
       <p:sp>
         <p:nvSpPr>
-          <p:cNvPr id="187" name="CustomShape 3"/>
+          <p:cNvPr id="149" name="CustomShape 3"/>
           <p:cNvSpPr/>
           <p:nvPr/>
         </p:nvSpPr>
         <p:spPr>
           <a:xfrm>
             <a:off x="3884760" y="8685360"/>
-            <a:ext cx="2971080" cy="457920"/>
+            <a:ext cx="2970720" cy="457560"/>
           </a:xfrm>
           <a:prstGeom prst="rect">
             <a:avLst/>
@@ -346,29 +345,6 @@
           <a:effectRef idx="0"/>
           <a:fontRef idx="minor"/>
         </p:style>
-        <p:txBody>
-          <a:bodyPr lIns="90000" rIns="90000" tIns="45000" bIns="45000" anchor="b"/>
-          <a:p>
-            <a:pPr algn="r">
-              <a:lnSpc>
-                <a:spcPct val="100000"/>
-              </a:lnSpc>
-            </a:pPr>
-            <a:fld id="{16DE0955-DAC7-4B04-B517-8E40BBE07DF6}" type="slidenum">
-              <a:rPr b="0" lang="en-US" sz="1200" spc="-1" strike="noStrike">
-                <a:solidFill>
-                  <a:srgbClr val="000000"/>
-                </a:solidFill>
-                <a:latin typeface="+mn-lt"/>
-                <a:ea typeface="+mn-ea"/>
-              </a:rPr>
-              <a:t>&lt;编号&gt;</a:t>
-            </a:fld>
-            <a:endParaRPr b="0" lang="en-US" sz="1200" spc="-1" strike="noStrike">
-              <a:latin typeface="Arial"/>
-            </a:endParaRPr>
-          </a:p>
-        </p:txBody>
       </p:sp>
     </p:spTree>
   </p:cSld>
@@ -3735,189 +3711,6 @@
 </p:sldLayout>
 </file>
 
-<file path=ppt/slideLayouts/slideLayout37.xml><?xml version="1.0" encoding="utf-8"?>
-<p:sldLayout xmlns:a="http://schemas.openxmlformats.org/drawingml/2006/main" xmlns:p="http://schemas.openxmlformats.org/presentationml/2006/main" xmlns:r="http://schemas.openxmlformats.org/officeDocument/2006/relationships" xmlns:p14="http://schemas.microsoft.com/office/powerpoint/2010/main" xmlns:p15="http://schemas.microsoft.com/office/powerpoint/2012/main" xmlns:mc="http://schemas.openxmlformats.org/markup-compatibility/2006" type="blank" preserve="1">
-  <p:cSld name="Blank Slide">
-    <p:spTree>
-      <p:nvGrpSpPr>
-        <p:cNvPr id="1" name=""/>
-        <p:cNvGrpSpPr/>
-        <p:nvPr/>
-      </p:nvGrpSpPr>
-      <p:grpSpPr>
-        <a:xfrm>
-          <a:off x="0" y="0"/>
-          <a:ext cx="0" cy="0"/>
-          <a:chOff x="0" y="0"/>
-          <a:chExt cx="0" cy="0"/>
-        </a:xfrm>
-      </p:grpSpPr>
-    </p:spTree>
-  </p:cSld>
-</p:sldLayout>
-</file>
-
-<file path=ppt/slideLayouts/slideLayout38.xml><?xml version="1.0" encoding="utf-8"?>
-<p:sldLayout xmlns:a="http://schemas.openxmlformats.org/drawingml/2006/main" xmlns:p="http://schemas.openxmlformats.org/presentationml/2006/main" xmlns:r="http://schemas.openxmlformats.org/officeDocument/2006/relationships" xmlns:p14="http://schemas.microsoft.com/office/powerpoint/2010/main" xmlns:p15="http://schemas.microsoft.com/office/powerpoint/2012/main" xmlns:mc="http://schemas.openxmlformats.org/markup-compatibility/2006" type="tx" preserve="1">
-  <p:cSld name="Title Slide">
-    <p:spTree>
-      <p:nvGrpSpPr>
-        <p:cNvPr id="1" name=""/>
-        <p:cNvGrpSpPr/>
-        <p:nvPr/>
-      </p:nvGrpSpPr>
-      <p:grpSpPr>
-        <a:xfrm>
-          <a:off x="0" y="0"/>
-          <a:ext cx="0" cy="0"/>
-          <a:chOff x="0" y="0"/>
-          <a:chExt cx="0" cy="0"/>
-        </a:xfrm>
-      </p:grpSpPr>
-      <p:sp>
-        <p:nvSpPr>
-          <p:cNvPr id="123" name="PlaceHolder 1"/>
-          <p:cNvSpPr>
-            <a:spLocks noGrp="1"/>
-          </p:cNvSpPr>
-          <p:nvPr>
-            <p:ph type="title"/>
-          </p:nvPr>
-        </p:nvSpPr>
-        <p:spPr>
-          <a:xfrm>
-            <a:off x="609480" y="273600"/>
-            <a:ext cx="10972440" cy="1144800"/>
-          </a:xfrm>
-          <a:prstGeom prst="rect">
-            <a:avLst/>
-          </a:prstGeom>
-        </p:spPr>
-        <p:txBody>
-          <a:bodyPr lIns="0" rIns="0" tIns="0" bIns="0" anchor="ctr"/>
-          <a:p>
-            <a:pPr algn="ctr"/>
-            <a:endParaRPr b="0" lang="en-US" sz="4400" spc="-1" strike="noStrike">
-              <a:latin typeface="Arial"/>
-            </a:endParaRPr>
-          </a:p>
-        </p:txBody>
-      </p:sp>
-      <p:sp>
-        <p:nvSpPr>
-          <p:cNvPr id="124" name="PlaceHolder 2"/>
-          <p:cNvSpPr>
-            <a:spLocks noGrp="1"/>
-          </p:cNvSpPr>
-          <p:nvPr>
-            <p:ph type="subTitle"/>
-          </p:nvPr>
-        </p:nvSpPr>
-        <p:spPr>
-          <a:xfrm>
-            <a:off x="609480" y="1604520"/>
-            <a:ext cx="10972440" cy="3977280"/>
-          </a:xfrm>
-          <a:prstGeom prst="rect">
-            <a:avLst/>
-          </a:prstGeom>
-        </p:spPr>
-        <p:txBody>
-          <a:bodyPr lIns="0" rIns="0" tIns="0" bIns="0" anchor="ctr"/>
-          <a:p>
-            <a:pPr algn="ctr"/>
-            <a:endParaRPr b="0" lang="en-US" sz="3200" spc="-1" strike="noStrike">
-              <a:latin typeface="Arial"/>
-            </a:endParaRPr>
-          </a:p>
-        </p:txBody>
-      </p:sp>
-    </p:spTree>
-  </p:cSld>
-</p:sldLayout>
-</file>
-
-<file path=ppt/slideLayouts/slideLayout39.xml><?xml version="1.0" encoding="utf-8"?>
-<p:sldLayout xmlns:a="http://schemas.openxmlformats.org/drawingml/2006/main" xmlns:p="http://schemas.openxmlformats.org/presentationml/2006/main" xmlns:r="http://schemas.openxmlformats.org/officeDocument/2006/relationships" xmlns:p14="http://schemas.microsoft.com/office/powerpoint/2010/main" xmlns:p15="http://schemas.microsoft.com/office/powerpoint/2012/main" xmlns:mc="http://schemas.openxmlformats.org/markup-compatibility/2006" type="obj" preserve="1">
-  <p:cSld name="Title, Content">
-    <p:spTree>
-      <p:nvGrpSpPr>
-        <p:cNvPr id="1" name=""/>
-        <p:cNvGrpSpPr/>
-        <p:nvPr/>
-      </p:nvGrpSpPr>
-      <p:grpSpPr>
-        <a:xfrm>
-          <a:off x="0" y="0"/>
-          <a:ext cx="0" cy="0"/>
-          <a:chOff x="0" y="0"/>
-          <a:chExt cx="0" cy="0"/>
-        </a:xfrm>
-      </p:grpSpPr>
-      <p:sp>
-        <p:nvSpPr>
-          <p:cNvPr id="125" name="PlaceHolder 1"/>
-          <p:cNvSpPr>
-            <a:spLocks noGrp="1"/>
-          </p:cNvSpPr>
-          <p:nvPr>
-            <p:ph type="title"/>
-          </p:nvPr>
-        </p:nvSpPr>
-        <p:spPr>
-          <a:xfrm>
-            <a:off x="609480" y="273600"/>
-            <a:ext cx="10972440" cy="1144800"/>
-          </a:xfrm>
-          <a:prstGeom prst="rect">
-            <a:avLst/>
-          </a:prstGeom>
-        </p:spPr>
-        <p:txBody>
-          <a:bodyPr lIns="0" rIns="0" tIns="0" bIns="0" anchor="ctr"/>
-          <a:p>
-            <a:pPr algn="ctr"/>
-            <a:endParaRPr b="0" lang="en-US" sz="4400" spc="-1" strike="noStrike">
-              <a:latin typeface="Arial"/>
-            </a:endParaRPr>
-          </a:p>
-        </p:txBody>
-      </p:sp>
-      <p:sp>
-        <p:nvSpPr>
-          <p:cNvPr id="126" name="PlaceHolder 2"/>
-          <p:cNvSpPr>
-            <a:spLocks noGrp="1"/>
-          </p:cNvSpPr>
-          <p:nvPr>
-            <p:ph type="body"/>
-          </p:nvPr>
-        </p:nvSpPr>
-        <p:spPr>
-          <a:xfrm>
-            <a:off x="609480" y="1604520"/>
-            <a:ext cx="10972440" cy="3977280"/>
-          </a:xfrm>
-          <a:prstGeom prst="rect">
-            <a:avLst/>
-          </a:prstGeom>
-        </p:spPr>
-        <p:txBody>
-          <a:bodyPr lIns="0" rIns="0" tIns="0" bIns="0">
-            <a:normAutofit/>
-          </a:bodyPr>
-          <a:p>
-            <a:endParaRPr b="0" lang="en-US" sz="3200" spc="-1" strike="noStrike">
-              <a:latin typeface="Arial"/>
-            </a:endParaRPr>
-          </a:p>
-        </p:txBody>
-      </p:sp>
-    </p:spTree>
-  </p:cSld>
-</p:sldLayout>
-</file>
-
 <file path=ppt/slideLayouts/slideLayout4.xml><?xml version="1.0" encoding="utf-8"?>
 <p:sldLayout xmlns:a="http://schemas.openxmlformats.org/drawingml/2006/main" xmlns:p="http://schemas.openxmlformats.org/presentationml/2006/main" xmlns:r="http://schemas.openxmlformats.org/officeDocument/2006/relationships" xmlns:p14="http://schemas.microsoft.com/office/powerpoint/2010/main" xmlns:p15="http://schemas.microsoft.com/office/powerpoint/2012/main" xmlns:mc="http://schemas.openxmlformats.org/markup-compatibility/2006" type="twoObj" preserve="1">
   <p:cSld name="Title, 2 Content">
@@ -4008,1155 +3801,6 @@
           <a:xfrm>
             <a:off x="6231960" y="1604520"/>
             <a:ext cx="5354280" cy="3977280"/>
-          </a:xfrm>
-          <a:prstGeom prst="rect">
-            <a:avLst/>
-          </a:prstGeom>
-        </p:spPr>
-        <p:txBody>
-          <a:bodyPr lIns="0" rIns="0" tIns="0" bIns="0">
-            <a:normAutofit/>
-          </a:bodyPr>
-          <a:p>
-            <a:endParaRPr b="0" lang="en-US" sz="3200" spc="-1" strike="noStrike">
-              <a:latin typeface="Arial"/>
-            </a:endParaRPr>
-          </a:p>
-        </p:txBody>
-      </p:sp>
-    </p:spTree>
-  </p:cSld>
-</p:sldLayout>
-</file>
-
-<file path=ppt/slideLayouts/slideLayout40.xml><?xml version="1.0" encoding="utf-8"?>
-<p:sldLayout xmlns:a="http://schemas.openxmlformats.org/drawingml/2006/main" xmlns:p="http://schemas.openxmlformats.org/presentationml/2006/main" xmlns:r="http://schemas.openxmlformats.org/officeDocument/2006/relationships" xmlns:p14="http://schemas.microsoft.com/office/powerpoint/2010/main" xmlns:p15="http://schemas.microsoft.com/office/powerpoint/2012/main" xmlns:mc="http://schemas.openxmlformats.org/markup-compatibility/2006" type="twoObj" preserve="1">
-  <p:cSld name="Title, 2 Content">
-    <p:spTree>
-      <p:nvGrpSpPr>
-        <p:cNvPr id="1" name=""/>
-        <p:cNvGrpSpPr/>
-        <p:nvPr/>
-      </p:nvGrpSpPr>
-      <p:grpSpPr>
-        <a:xfrm>
-          <a:off x="0" y="0"/>
-          <a:ext cx="0" cy="0"/>
-          <a:chOff x="0" y="0"/>
-          <a:chExt cx="0" cy="0"/>
-        </a:xfrm>
-      </p:grpSpPr>
-      <p:sp>
-        <p:nvSpPr>
-          <p:cNvPr id="127" name="PlaceHolder 1"/>
-          <p:cNvSpPr>
-            <a:spLocks noGrp="1"/>
-          </p:cNvSpPr>
-          <p:nvPr>
-            <p:ph type="title"/>
-          </p:nvPr>
-        </p:nvSpPr>
-        <p:spPr>
-          <a:xfrm>
-            <a:off x="609480" y="273600"/>
-            <a:ext cx="10972440" cy="1144800"/>
-          </a:xfrm>
-          <a:prstGeom prst="rect">
-            <a:avLst/>
-          </a:prstGeom>
-        </p:spPr>
-        <p:txBody>
-          <a:bodyPr lIns="0" rIns="0" tIns="0" bIns="0" anchor="ctr"/>
-          <a:p>
-            <a:pPr algn="ctr"/>
-            <a:endParaRPr b="0" lang="en-US" sz="4400" spc="-1" strike="noStrike">
-              <a:latin typeface="Arial"/>
-            </a:endParaRPr>
-          </a:p>
-        </p:txBody>
-      </p:sp>
-      <p:sp>
-        <p:nvSpPr>
-          <p:cNvPr id="128" name="PlaceHolder 2"/>
-          <p:cNvSpPr>
-            <a:spLocks noGrp="1"/>
-          </p:cNvSpPr>
-          <p:nvPr>
-            <p:ph type="body"/>
-          </p:nvPr>
-        </p:nvSpPr>
-        <p:spPr>
-          <a:xfrm>
-            <a:off x="609480" y="1604520"/>
-            <a:ext cx="5354280" cy="3977280"/>
-          </a:xfrm>
-          <a:prstGeom prst="rect">
-            <a:avLst/>
-          </a:prstGeom>
-        </p:spPr>
-        <p:txBody>
-          <a:bodyPr lIns="0" rIns="0" tIns="0" bIns="0">
-            <a:normAutofit/>
-          </a:bodyPr>
-          <a:p>
-            <a:endParaRPr b="0" lang="en-US" sz="3200" spc="-1" strike="noStrike">
-              <a:latin typeface="Arial"/>
-            </a:endParaRPr>
-          </a:p>
-        </p:txBody>
-      </p:sp>
-      <p:sp>
-        <p:nvSpPr>
-          <p:cNvPr id="129" name="PlaceHolder 3"/>
-          <p:cNvSpPr>
-            <a:spLocks noGrp="1"/>
-          </p:cNvSpPr>
-          <p:nvPr>
-            <p:ph type="body"/>
-          </p:nvPr>
-        </p:nvSpPr>
-        <p:spPr>
-          <a:xfrm>
-            <a:off x="6231960" y="1604520"/>
-            <a:ext cx="5354280" cy="3977280"/>
-          </a:xfrm>
-          <a:prstGeom prst="rect">
-            <a:avLst/>
-          </a:prstGeom>
-        </p:spPr>
-        <p:txBody>
-          <a:bodyPr lIns="0" rIns="0" tIns="0" bIns="0">
-            <a:normAutofit/>
-          </a:bodyPr>
-          <a:p>
-            <a:endParaRPr b="0" lang="en-US" sz="3200" spc="-1" strike="noStrike">
-              <a:latin typeface="Arial"/>
-            </a:endParaRPr>
-          </a:p>
-        </p:txBody>
-      </p:sp>
-    </p:spTree>
-  </p:cSld>
-</p:sldLayout>
-</file>
-
-<file path=ppt/slideLayouts/slideLayout41.xml><?xml version="1.0" encoding="utf-8"?>
-<p:sldLayout xmlns:a="http://schemas.openxmlformats.org/drawingml/2006/main" xmlns:p="http://schemas.openxmlformats.org/presentationml/2006/main" xmlns:r="http://schemas.openxmlformats.org/officeDocument/2006/relationships" xmlns:p14="http://schemas.microsoft.com/office/powerpoint/2010/main" xmlns:p15="http://schemas.microsoft.com/office/powerpoint/2012/main" xmlns:mc="http://schemas.openxmlformats.org/markup-compatibility/2006" type="titleOnly" preserve="1">
-  <p:cSld name="Title Only">
-    <p:spTree>
-      <p:nvGrpSpPr>
-        <p:cNvPr id="1" name=""/>
-        <p:cNvGrpSpPr/>
-        <p:nvPr/>
-      </p:nvGrpSpPr>
-      <p:grpSpPr>
-        <a:xfrm>
-          <a:off x="0" y="0"/>
-          <a:ext cx="0" cy="0"/>
-          <a:chOff x="0" y="0"/>
-          <a:chExt cx="0" cy="0"/>
-        </a:xfrm>
-      </p:grpSpPr>
-      <p:sp>
-        <p:nvSpPr>
-          <p:cNvPr id="130" name="PlaceHolder 1"/>
-          <p:cNvSpPr>
-            <a:spLocks noGrp="1"/>
-          </p:cNvSpPr>
-          <p:nvPr>
-            <p:ph type="title"/>
-          </p:nvPr>
-        </p:nvSpPr>
-        <p:spPr>
-          <a:xfrm>
-            <a:off x="609480" y="273600"/>
-            <a:ext cx="10972440" cy="1144800"/>
-          </a:xfrm>
-          <a:prstGeom prst="rect">
-            <a:avLst/>
-          </a:prstGeom>
-        </p:spPr>
-        <p:txBody>
-          <a:bodyPr lIns="0" rIns="0" tIns="0" bIns="0" anchor="ctr"/>
-          <a:p>
-            <a:pPr algn="ctr"/>
-            <a:endParaRPr b="0" lang="en-US" sz="4400" spc="-1" strike="noStrike">
-              <a:latin typeface="Arial"/>
-            </a:endParaRPr>
-          </a:p>
-        </p:txBody>
-      </p:sp>
-    </p:spTree>
-  </p:cSld>
-</p:sldLayout>
-</file>
-
-<file path=ppt/slideLayouts/slideLayout42.xml><?xml version="1.0" encoding="utf-8"?>
-<p:sldLayout xmlns:a="http://schemas.openxmlformats.org/drawingml/2006/main" xmlns:p="http://schemas.openxmlformats.org/presentationml/2006/main" xmlns:r="http://schemas.openxmlformats.org/officeDocument/2006/relationships" xmlns:p14="http://schemas.microsoft.com/office/powerpoint/2010/main" xmlns:p15="http://schemas.microsoft.com/office/powerpoint/2012/main" xmlns:mc="http://schemas.openxmlformats.org/markup-compatibility/2006" type="objOnly" preserve="1">
-  <p:cSld name="Centered Text">
-    <p:spTree>
-      <p:nvGrpSpPr>
-        <p:cNvPr id="1" name=""/>
-        <p:cNvGrpSpPr/>
-        <p:nvPr/>
-      </p:nvGrpSpPr>
-      <p:grpSpPr>
-        <a:xfrm>
-          <a:off x="0" y="0"/>
-          <a:ext cx="0" cy="0"/>
-          <a:chOff x="0" y="0"/>
-          <a:chExt cx="0" cy="0"/>
-        </a:xfrm>
-      </p:grpSpPr>
-      <p:sp>
-        <p:nvSpPr>
-          <p:cNvPr id="131" name="PlaceHolder 1"/>
-          <p:cNvSpPr>
-            <a:spLocks noGrp="1"/>
-          </p:cNvSpPr>
-          <p:nvPr>
-            <p:ph type="subTitle"/>
-          </p:nvPr>
-        </p:nvSpPr>
-        <p:spPr>
-          <a:xfrm>
-            <a:off x="609480" y="273600"/>
-            <a:ext cx="10972440" cy="5307840"/>
-          </a:xfrm>
-          <a:prstGeom prst="rect">
-            <a:avLst/>
-          </a:prstGeom>
-        </p:spPr>
-        <p:txBody>
-          <a:bodyPr lIns="0" rIns="0" tIns="0" bIns="0" anchor="ctr"/>
-          <a:p>
-            <a:pPr algn="ctr"/>
-            <a:endParaRPr b="0" lang="en-US" sz="3200" spc="-1" strike="noStrike">
-              <a:latin typeface="Arial"/>
-            </a:endParaRPr>
-          </a:p>
-        </p:txBody>
-      </p:sp>
-    </p:spTree>
-  </p:cSld>
-</p:sldLayout>
-</file>
-
-<file path=ppt/slideLayouts/slideLayout43.xml><?xml version="1.0" encoding="utf-8"?>
-<p:sldLayout xmlns:a="http://schemas.openxmlformats.org/drawingml/2006/main" xmlns:p="http://schemas.openxmlformats.org/presentationml/2006/main" xmlns:r="http://schemas.openxmlformats.org/officeDocument/2006/relationships" xmlns:p14="http://schemas.microsoft.com/office/powerpoint/2010/main" xmlns:p15="http://schemas.microsoft.com/office/powerpoint/2012/main" xmlns:mc="http://schemas.openxmlformats.org/markup-compatibility/2006" type="twoObjAndObj" preserve="1">
-  <p:cSld name="Title, 2 Content and Content">
-    <p:spTree>
-      <p:nvGrpSpPr>
-        <p:cNvPr id="1" name=""/>
-        <p:cNvGrpSpPr/>
-        <p:nvPr/>
-      </p:nvGrpSpPr>
-      <p:grpSpPr>
-        <a:xfrm>
-          <a:off x="0" y="0"/>
-          <a:ext cx="0" cy="0"/>
-          <a:chOff x="0" y="0"/>
-          <a:chExt cx="0" cy="0"/>
-        </a:xfrm>
-      </p:grpSpPr>
-      <p:sp>
-        <p:nvSpPr>
-          <p:cNvPr id="132" name="PlaceHolder 1"/>
-          <p:cNvSpPr>
-            <a:spLocks noGrp="1"/>
-          </p:cNvSpPr>
-          <p:nvPr>
-            <p:ph type="title"/>
-          </p:nvPr>
-        </p:nvSpPr>
-        <p:spPr>
-          <a:xfrm>
-            <a:off x="609480" y="273600"/>
-            <a:ext cx="10972440" cy="1144800"/>
-          </a:xfrm>
-          <a:prstGeom prst="rect">
-            <a:avLst/>
-          </a:prstGeom>
-        </p:spPr>
-        <p:txBody>
-          <a:bodyPr lIns="0" rIns="0" tIns="0" bIns="0" anchor="ctr"/>
-          <a:p>
-            <a:pPr algn="ctr"/>
-            <a:endParaRPr b="0" lang="en-US" sz="4400" spc="-1" strike="noStrike">
-              <a:latin typeface="Arial"/>
-            </a:endParaRPr>
-          </a:p>
-        </p:txBody>
-      </p:sp>
-      <p:sp>
-        <p:nvSpPr>
-          <p:cNvPr id="133" name="PlaceHolder 2"/>
-          <p:cNvSpPr>
-            <a:spLocks noGrp="1"/>
-          </p:cNvSpPr>
-          <p:nvPr>
-            <p:ph type="body"/>
-          </p:nvPr>
-        </p:nvSpPr>
-        <p:spPr>
-          <a:xfrm>
-            <a:off x="609480" y="1604520"/>
-            <a:ext cx="5354280" cy="1896840"/>
-          </a:xfrm>
-          <a:prstGeom prst="rect">
-            <a:avLst/>
-          </a:prstGeom>
-        </p:spPr>
-        <p:txBody>
-          <a:bodyPr lIns="0" rIns="0" tIns="0" bIns="0">
-            <a:normAutofit/>
-          </a:bodyPr>
-          <a:p>
-            <a:endParaRPr b="0" lang="en-US" sz="3200" spc="-1" strike="noStrike">
-              <a:latin typeface="Arial"/>
-            </a:endParaRPr>
-          </a:p>
-        </p:txBody>
-      </p:sp>
-      <p:sp>
-        <p:nvSpPr>
-          <p:cNvPr id="134" name="PlaceHolder 3"/>
-          <p:cNvSpPr>
-            <a:spLocks noGrp="1"/>
-          </p:cNvSpPr>
-          <p:nvPr>
-            <p:ph type="body"/>
-          </p:nvPr>
-        </p:nvSpPr>
-        <p:spPr>
-          <a:xfrm>
-            <a:off x="6231960" y="1604520"/>
-            <a:ext cx="5354280" cy="3977280"/>
-          </a:xfrm>
-          <a:prstGeom prst="rect">
-            <a:avLst/>
-          </a:prstGeom>
-        </p:spPr>
-        <p:txBody>
-          <a:bodyPr lIns="0" rIns="0" tIns="0" bIns="0">
-            <a:normAutofit/>
-          </a:bodyPr>
-          <a:p>
-            <a:endParaRPr b="0" lang="en-US" sz="3200" spc="-1" strike="noStrike">
-              <a:latin typeface="Arial"/>
-            </a:endParaRPr>
-          </a:p>
-        </p:txBody>
-      </p:sp>
-      <p:sp>
-        <p:nvSpPr>
-          <p:cNvPr id="135" name="PlaceHolder 4"/>
-          <p:cNvSpPr>
-            <a:spLocks noGrp="1"/>
-          </p:cNvSpPr>
-          <p:nvPr>
-            <p:ph type="body"/>
-          </p:nvPr>
-        </p:nvSpPr>
-        <p:spPr>
-          <a:xfrm>
-            <a:off x="609480" y="3682080"/>
-            <a:ext cx="5354280" cy="1896840"/>
-          </a:xfrm>
-          <a:prstGeom prst="rect">
-            <a:avLst/>
-          </a:prstGeom>
-        </p:spPr>
-        <p:txBody>
-          <a:bodyPr lIns="0" rIns="0" tIns="0" bIns="0">
-            <a:normAutofit/>
-          </a:bodyPr>
-          <a:p>
-            <a:endParaRPr b="0" lang="en-US" sz="3200" spc="-1" strike="noStrike">
-              <a:latin typeface="Arial"/>
-            </a:endParaRPr>
-          </a:p>
-        </p:txBody>
-      </p:sp>
-    </p:spTree>
-  </p:cSld>
-</p:sldLayout>
-</file>
-
-<file path=ppt/slideLayouts/slideLayout44.xml><?xml version="1.0" encoding="utf-8"?>
-<p:sldLayout xmlns:a="http://schemas.openxmlformats.org/drawingml/2006/main" xmlns:p="http://schemas.openxmlformats.org/presentationml/2006/main" xmlns:r="http://schemas.openxmlformats.org/officeDocument/2006/relationships" xmlns:p14="http://schemas.microsoft.com/office/powerpoint/2010/main" xmlns:p15="http://schemas.microsoft.com/office/powerpoint/2012/main" xmlns:mc="http://schemas.openxmlformats.org/markup-compatibility/2006" type="objAndTwoObj" preserve="1">
-  <p:cSld name="Title Content and 2 Content">
-    <p:spTree>
-      <p:nvGrpSpPr>
-        <p:cNvPr id="1" name=""/>
-        <p:cNvGrpSpPr/>
-        <p:nvPr/>
-      </p:nvGrpSpPr>
-      <p:grpSpPr>
-        <a:xfrm>
-          <a:off x="0" y="0"/>
-          <a:ext cx="0" cy="0"/>
-          <a:chOff x="0" y="0"/>
-          <a:chExt cx="0" cy="0"/>
-        </a:xfrm>
-      </p:grpSpPr>
-      <p:sp>
-        <p:nvSpPr>
-          <p:cNvPr id="136" name="PlaceHolder 1"/>
-          <p:cNvSpPr>
-            <a:spLocks noGrp="1"/>
-          </p:cNvSpPr>
-          <p:nvPr>
-            <p:ph type="title"/>
-          </p:nvPr>
-        </p:nvSpPr>
-        <p:spPr>
-          <a:xfrm>
-            <a:off x="609480" y="273600"/>
-            <a:ext cx="10972440" cy="1144800"/>
-          </a:xfrm>
-          <a:prstGeom prst="rect">
-            <a:avLst/>
-          </a:prstGeom>
-        </p:spPr>
-        <p:txBody>
-          <a:bodyPr lIns="0" rIns="0" tIns="0" bIns="0" anchor="ctr"/>
-          <a:p>
-            <a:pPr algn="ctr"/>
-            <a:endParaRPr b="0" lang="en-US" sz="4400" spc="-1" strike="noStrike">
-              <a:latin typeface="Arial"/>
-            </a:endParaRPr>
-          </a:p>
-        </p:txBody>
-      </p:sp>
-      <p:sp>
-        <p:nvSpPr>
-          <p:cNvPr id="137" name="PlaceHolder 2"/>
-          <p:cNvSpPr>
-            <a:spLocks noGrp="1"/>
-          </p:cNvSpPr>
-          <p:nvPr>
-            <p:ph type="body"/>
-          </p:nvPr>
-        </p:nvSpPr>
-        <p:spPr>
-          <a:xfrm>
-            <a:off x="609480" y="1604520"/>
-            <a:ext cx="5354280" cy="3977280"/>
-          </a:xfrm>
-          <a:prstGeom prst="rect">
-            <a:avLst/>
-          </a:prstGeom>
-        </p:spPr>
-        <p:txBody>
-          <a:bodyPr lIns="0" rIns="0" tIns="0" bIns="0">
-            <a:normAutofit/>
-          </a:bodyPr>
-          <a:p>
-            <a:endParaRPr b="0" lang="en-US" sz="3200" spc="-1" strike="noStrike">
-              <a:latin typeface="Arial"/>
-            </a:endParaRPr>
-          </a:p>
-        </p:txBody>
-      </p:sp>
-      <p:sp>
-        <p:nvSpPr>
-          <p:cNvPr id="138" name="PlaceHolder 3"/>
-          <p:cNvSpPr>
-            <a:spLocks noGrp="1"/>
-          </p:cNvSpPr>
-          <p:nvPr>
-            <p:ph type="body"/>
-          </p:nvPr>
-        </p:nvSpPr>
-        <p:spPr>
-          <a:xfrm>
-            <a:off x="6231960" y="1604520"/>
-            <a:ext cx="5354280" cy="1896840"/>
-          </a:xfrm>
-          <a:prstGeom prst="rect">
-            <a:avLst/>
-          </a:prstGeom>
-        </p:spPr>
-        <p:txBody>
-          <a:bodyPr lIns="0" rIns="0" tIns="0" bIns="0">
-            <a:normAutofit/>
-          </a:bodyPr>
-          <a:p>
-            <a:endParaRPr b="0" lang="en-US" sz="3200" spc="-1" strike="noStrike">
-              <a:latin typeface="Arial"/>
-            </a:endParaRPr>
-          </a:p>
-        </p:txBody>
-      </p:sp>
-      <p:sp>
-        <p:nvSpPr>
-          <p:cNvPr id="139" name="PlaceHolder 4"/>
-          <p:cNvSpPr>
-            <a:spLocks noGrp="1"/>
-          </p:cNvSpPr>
-          <p:nvPr>
-            <p:ph type="body"/>
-          </p:nvPr>
-        </p:nvSpPr>
-        <p:spPr>
-          <a:xfrm>
-            <a:off x="6231960" y="3682080"/>
-            <a:ext cx="5354280" cy="1896840"/>
-          </a:xfrm>
-          <a:prstGeom prst="rect">
-            <a:avLst/>
-          </a:prstGeom>
-        </p:spPr>
-        <p:txBody>
-          <a:bodyPr lIns="0" rIns="0" tIns="0" bIns="0">
-            <a:normAutofit/>
-          </a:bodyPr>
-          <a:p>
-            <a:endParaRPr b="0" lang="en-US" sz="3200" spc="-1" strike="noStrike">
-              <a:latin typeface="Arial"/>
-            </a:endParaRPr>
-          </a:p>
-        </p:txBody>
-      </p:sp>
-    </p:spTree>
-  </p:cSld>
-</p:sldLayout>
-</file>
-
-<file path=ppt/slideLayouts/slideLayout45.xml><?xml version="1.0" encoding="utf-8"?>
-<p:sldLayout xmlns:a="http://schemas.openxmlformats.org/drawingml/2006/main" xmlns:p="http://schemas.openxmlformats.org/presentationml/2006/main" xmlns:r="http://schemas.openxmlformats.org/officeDocument/2006/relationships" xmlns:p14="http://schemas.microsoft.com/office/powerpoint/2010/main" xmlns:p15="http://schemas.microsoft.com/office/powerpoint/2012/main" xmlns:mc="http://schemas.openxmlformats.org/markup-compatibility/2006" type="twoObjOverTx" preserve="1">
-  <p:cSld name="Title, 2 Content over Content">
-    <p:spTree>
-      <p:nvGrpSpPr>
-        <p:cNvPr id="1" name=""/>
-        <p:cNvGrpSpPr/>
-        <p:nvPr/>
-      </p:nvGrpSpPr>
-      <p:grpSpPr>
-        <a:xfrm>
-          <a:off x="0" y="0"/>
-          <a:ext cx="0" cy="0"/>
-          <a:chOff x="0" y="0"/>
-          <a:chExt cx="0" cy="0"/>
-        </a:xfrm>
-      </p:grpSpPr>
-      <p:sp>
-        <p:nvSpPr>
-          <p:cNvPr id="140" name="PlaceHolder 1"/>
-          <p:cNvSpPr>
-            <a:spLocks noGrp="1"/>
-          </p:cNvSpPr>
-          <p:nvPr>
-            <p:ph type="title"/>
-          </p:nvPr>
-        </p:nvSpPr>
-        <p:spPr>
-          <a:xfrm>
-            <a:off x="609480" y="273600"/>
-            <a:ext cx="10972440" cy="1144800"/>
-          </a:xfrm>
-          <a:prstGeom prst="rect">
-            <a:avLst/>
-          </a:prstGeom>
-        </p:spPr>
-        <p:txBody>
-          <a:bodyPr lIns="0" rIns="0" tIns="0" bIns="0" anchor="ctr"/>
-          <a:p>
-            <a:pPr algn="ctr"/>
-            <a:endParaRPr b="0" lang="en-US" sz="4400" spc="-1" strike="noStrike">
-              <a:latin typeface="Arial"/>
-            </a:endParaRPr>
-          </a:p>
-        </p:txBody>
-      </p:sp>
-      <p:sp>
-        <p:nvSpPr>
-          <p:cNvPr id="141" name="PlaceHolder 2"/>
-          <p:cNvSpPr>
-            <a:spLocks noGrp="1"/>
-          </p:cNvSpPr>
-          <p:nvPr>
-            <p:ph type="body"/>
-          </p:nvPr>
-        </p:nvSpPr>
-        <p:spPr>
-          <a:xfrm>
-            <a:off x="609480" y="1604520"/>
-            <a:ext cx="5354280" cy="1896840"/>
-          </a:xfrm>
-          <a:prstGeom prst="rect">
-            <a:avLst/>
-          </a:prstGeom>
-        </p:spPr>
-        <p:txBody>
-          <a:bodyPr lIns="0" rIns="0" tIns="0" bIns="0">
-            <a:normAutofit/>
-          </a:bodyPr>
-          <a:p>
-            <a:endParaRPr b="0" lang="en-US" sz="3200" spc="-1" strike="noStrike">
-              <a:latin typeface="Arial"/>
-            </a:endParaRPr>
-          </a:p>
-        </p:txBody>
-      </p:sp>
-      <p:sp>
-        <p:nvSpPr>
-          <p:cNvPr id="142" name="PlaceHolder 3"/>
-          <p:cNvSpPr>
-            <a:spLocks noGrp="1"/>
-          </p:cNvSpPr>
-          <p:nvPr>
-            <p:ph type="body"/>
-          </p:nvPr>
-        </p:nvSpPr>
-        <p:spPr>
-          <a:xfrm>
-            <a:off x="6231960" y="1604520"/>
-            <a:ext cx="5354280" cy="1896840"/>
-          </a:xfrm>
-          <a:prstGeom prst="rect">
-            <a:avLst/>
-          </a:prstGeom>
-        </p:spPr>
-        <p:txBody>
-          <a:bodyPr lIns="0" rIns="0" tIns="0" bIns="0">
-            <a:normAutofit/>
-          </a:bodyPr>
-          <a:p>
-            <a:endParaRPr b="0" lang="en-US" sz="3200" spc="-1" strike="noStrike">
-              <a:latin typeface="Arial"/>
-            </a:endParaRPr>
-          </a:p>
-        </p:txBody>
-      </p:sp>
-      <p:sp>
-        <p:nvSpPr>
-          <p:cNvPr id="143" name="PlaceHolder 4"/>
-          <p:cNvSpPr>
-            <a:spLocks noGrp="1"/>
-          </p:cNvSpPr>
-          <p:nvPr>
-            <p:ph type="body"/>
-          </p:nvPr>
-        </p:nvSpPr>
-        <p:spPr>
-          <a:xfrm>
-            <a:off x="609480" y="3682080"/>
-            <a:ext cx="10972440" cy="1896840"/>
-          </a:xfrm>
-          <a:prstGeom prst="rect">
-            <a:avLst/>
-          </a:prstGeom>
-        </p:spPr>
-        <p:txBody>
-          <a:bodyPr lIns="0" rIns="0" tIns="0" bIns="0">
-            <a:normAutofit/>
-          </a:bodyPr>
-          <a:p>
-            <a:endParaRPr b="0" lang="en-US" sz="3200" spc="-1" strike="noStrike">
-              <a:latin typeface="Arial"/>
-            </a:endParaRPr>
-          </a:p>
-        </p:txBody>
-      </p:sp>
-    </p:spTree>
-  </p:cSld>
-</p:sldLayout>
-</file>
-
-<file path=ppt/slideLayouts/slideLayout46.xml><?xml version="1.0" encoding="utf-8"?>
-<p:sldLayout xmlns:a="http://schemas.openxmlformats.org/drawingml/2006/main" xmlns:p="http://schemas.openxmlformats.org/presentationml/2006/main" xmlns:r="http://schemas.openxmlformats.org/officeDocument/2006/relationships" xmlns:p14="http://schemas.microsoft.com/office/powerpoint/2010/main" xmlns:p15="http://schemas.microsoft.com/office/powerpoint/2012/main" xmlns:mc="http://schemas.openxmlformats.org/markup-compatibility/2006" type="objOverTx" preserve="1">
-  <p:cSld name="Title, Content over Content">
-    <p:spTree>
-      <p:nvGrpSpPr>
-        <p:cNvPr id="1" name=""/>
-        <p:cNvGrpSpPr/>
-        <p:nvPr/>
-      </p:nvGrpSpPr>
-      <p:grpSpPr>
-        <a:xfrm>
-          <a:off x="0" y="0"/>
-          <a:ext cx="0" cy="0"/>
-          <a:chOff x="0" y="0"/>
-          <a:chExt cx="0" cy="0"/>
-        </a:xfrm>
-      </p:grpSpPr>
-      <p:sp>
-        <p:nvSpPr>
-          <p:cNvPr id="144" name="PlaceHolder 1"/>
-          <p:cNvSpPr>
-            <a:spLocks noGrp="1"/>
-          </p:cNvSpPr>
-          <p:nvPr>
-            <p:ph type="title"/>
-          </p:nvPr>
-        </p:nvSpPr>
-        <p:spPr>
-          <a:xfrm>
-            <a:off x="609480" y="273600"/>
-            <a:ext cx="10972440" cy="1144800"/>
-          </a:xfrm>
-          <a:prstGeom prst="rect">
-            <a:avLst/>
-          </a:prstGeom>
-        </p:spPr>
-        <p:txBody>
-          <a:bodyPr lIns="0" rIns="0" tIns="0" bIns="0" anchor="ctr"/>
-          <a:p>
-            <a:pPr algn="ctr"/>
-            <a:endParaRPr b="0" lang="en-US" sz="4400" spc="-1" strike="noStrike">
-              <a:latin typeface="Arial"/>
-            </a:endParaRPr>
-          </a:p>
-        </p:txBody>
-      </p:sp>
-      <p:sp>
-        <p:nvSpPr>
-          <p:cNvPr id="145" name="PlaceHolder 2"/>
-          <p:cNvSpPr>
-            <a:spLocks noGrp="1"/>
-          </p:cNvSpPr>
-          <p:nvPr>
-            <p:ph type="body"/>
-          </p:nvPr>
-        </p:nvSpPr>
-        <p:spPr>
-          <a:xfrm>
-            <a:off x="609480" y="1604520"/>
-            <a:ext cx="10972440" cy="1896840"/>
-          </a:xfrm>
-          <a:prstGeom prst="rect">
-            <a:avLst/>
-          </a:prstGeom>
-        </p:spPr>
-        <p:txBody>
-          <a:bodyPr lIns="0" rIns="0" tIns="0" bIns="0">
-            <a:normAutofit/>
-          </a:bodyPr>
-          <a:p>
-            <a:endParaRPr b="0" lang="en-US" sz="3200" spc="-1" strike="noStrike">
-              <a:latin typeface="Arial"/>
-            </a:endParaRPr>
-          </a:p>
-        </p:txBody>
-      </p:sp>
-      <p:sp>
-        <p:nvSpPr>
-          <p:cNvPr id="146" name="PlaceHolder 3"/>
-          <p:cNvSpPr>
-            <a:spLocks noGrp="1"/>
-          </p:cNvSpPr>
-          <p:nvPr>
-            <p:ph type="body"/>
-          </p:nvPr>
-        </p:nvSpPr>
-        <p:spPr>
-          <a:xfrm>
-            <a:off x="609480" y="3682080"/>
-            <a:ext cx="10972440" cy="1896840"/>
-          </a:xfrm>
-          <a:prstGeom prst="rect">
-            <a:avLst/>
-          </a:prstGeom>
-        </p:spPr>
-        <p:txBody>
-          <a:bodyPr lIns="0" rIns="0" tIns="0" bIns="0">
-            <a:normAutofit/>
-          </a:bodyPr>
-          <a:p>
-            <a:endParaRPr b="0" lang="en-US" sz="3200" spc="-1" strike="noStrike">
-              <a:latin typeface="Arial"/>
-            </a:endParaRPr>
-          </a:p>
-        </p:txBody>
-      </p:sp>
-    </p:spTree>
-  </p:cSld>
-</p:sldLayout>
-</file>
-
-<file path=ppt/slideLayouts/slideLayout47.xml><?xml version="1.0" encoding="utf-8"?>
-<p:sldLayout xmlns:a="http://schemas.openxmlformats.org/drawingml/2006/main" xmlns:p="http://schemas.openxmlformats.org/presentationml/2006/main" xmlns:r="http://schemas.openxmlformats.org/officeDocument/2006/relationships" xmlns:p14="http://schemas.microsoft.com/office/powerpoint/2010/main" xmlns:p15="http://schemas.microsoft.com/office/powerpoint/2012/main" xmlns:mc="http://schemas.openxmlformats.org/markup-compatibility/2006" type="fourObj" preserve="1">
-  <p:cSld name="Title, 4 Content">
-    <p:spTree>
-      <p:nvGrpSpPr>
-        <p:cNvPr id="1" name=""/>
-        <p:cNvGrpSpPr/>
-        <p:nvPr/>
-      </p:nvGrpSpPr>
-      <p:grpSpPr>
-        <a:xfrm>
-          <a:off x="0" y="0"/>
-          <a:ext cx="0" cy="0"/>
-          <a:chOff x="0" y="0"/>
-          <a:chExt cx="0" cy="0"/>
-        </a:xfrm>
-      </p:grpSpPr>
-      <p:sp>
-        <p:nvSpPr>
-          <p:cNvPr id="147" name="PlaceHolder 1"/>
-          <p:cNvSpPr>
-            <a:spLocks noGrp="1"/>
-          </p:cNvSpPr>
-          <p:nvPr>
-            <p:ph type="title"/>
-          </p:nvPr>
-        </p:nvSpPr>
-        <p:spPr>
-          <a:xfrm>
-            <a:off x="609480" y="273600"/>
-            <a:ext cx="10972440" cy="1144800"/>
-          </a:xfrm>
-          <a:prstGeom prst="rect">
-            <a:avLst/>
-          </a:prstGeom>
-        </p:spPr>
-        <p:txBody>
-          <a:bodyPr lIns="0" rIns="0" tIns="0" bIns="0" anchor="ctr"/>
-          <a:p>
-            <a:pPr algn="ctr"/>
-            <a:endParaRPr b="0" lang="en-US" sz="4400" spc="-1" strike="noStrike">
-              <a:latin typeface="Arial"/>
-            </a:endParaRPr>
-          </a:p>
-        </p:txBody>
-      </p:sp>
-      <p:sp>
-        <p:nvSpPr>
-          <p:cNvPr id="148" name="PlaceHolder 2"/>
-          <p:cNvSpPr>
-            <a:spLocks noGrp="1"/>
-          </p:cNvSpPr>
-          <p:nvPr>
-            <p:ph type="body"/>
-          </p:nvPr>
-        </p:nvSpPr>
-        <p:spPr>
-          <a:xfrm>
-            <a:off x="609480" y="1604520"/>
-            <a:ext cx="5354280" cy="1896840"/>
-          </a:xfrm>
-          <a:prstGeom prst="rect">
-            <a:avLst/>
-          </a:prstGeom>
-        </p:spPr>
-        <p:txBody>
-          <a:bodyPr lIns="0" rIns="0" tIns="0" bIns="0">
-            <a:normAutofit/>
-          </a:bodyPr>
-          <a:p>
-            <a:endParaRPr b="0" lang="en-US" sz="3200" spc="-1" strike="noStrike">
-              <a:latin typeface="Arial"/>
-            </a:endParaRPr>
-          </a:p>
-        </p:txBody>
-      </p:sp>
-      <p:sp>
-        <p:nvSpPr>
-          <p:cNvPr id="149" name="PlaceHolder 3"/>
-          <p:cNvSpPr>
-            <a:spLocks noGrp="1"/>
-          </p:cNvSpPr>
-          <p:nvPr>
-            <p:ph type="body"/>
-          </p:nvPr>
-        </p:nvSpPr>
-        <p:spPr>
-          <a:xfrm>
-            <a:off x="6231960" y="1604520"/>
-            <a:ext cx="5354280" cy="1896840"/>
-          </a:xfrm>
-          <a:prstGeom prst="rect">
-            <a:avLst/>
-          </a:prstGeom>
-        </p:spPr>
-        <p:txBody>
-          <a:bodyPr lIns="0" rIns="0" tIns="0" bIns="0">
-            <a:normAutofit/>
-          </a:bodyPr>
-          <a:p>
-            <a:endParaRPr b="0" lang="en-US" sz="3200" spc="-1" strike="noStrike">
-              <a:latin typeface="Arial"/>
-            </a:endParaRPr>
-          </a:p>
-        </p:txBody>
-      </p:sp>
-      <p:sp>
-        <p:nvSpPr>
-          <p:cNvPr id="150" name="PlaceHolder 4"/>
-          <p:cNvSpPr>
-            <a:spLocks noGrp="1"/>
-          </p:cNvSpPr>
-          <p:nvPr>
-            <p:ph type="body"/>
-          </p:nvPr>
-        </p:nvSpPr>
-        <p:spPr>
-          <a:xfrm>
-            <a:off x="609480" y="3682080"/>
-            <a:ext cx="5354280" cy="1896840"/>
-          </a:xfrm>
-          <a:prstGeom prst="rect">
-            <a:avLst/>
-          </a:prstGeom>
-        </p:spPr>
-        <p:txBody>
-          <a:bodyPr lIns="0" rIns="0" tIns="0" bIns="0">
-            <a:normAutofit/>
-          </a:bodyPr>
-          <a:p>
-            <a:endParaRPr b="0" lang="en-US" sz="3200" spc="-1" strike="noStrike">
-              <a:latin typeface="Arial"/>
-            </a:endParaRPr>
-          </a:p>
-        </p:txBody>
-      </p:sp>
-      <p:sp>
-        <p:nvSpPr>
-          <p:cNvPr id="151" name="PlaceHolder 5"/>
-          <p:cNvSpPr>
-            <a:spLocks noGrp="1"/>
-          </p:cNvSpPr>
-          <p:nvPr>
-            <p:ph type="body"/>
-          </p:nvPr>
-        </p:nvSpPr>
-        <p:spPr>
-          <a:xfrm>
-            <a:off x="6231960" y="3682080"/>
-            <a:ext cx="5354280" cy="1896840"/>
-          </a:xfrm>
-          <a:prstGeom prst="rect">
-            <a:avLst/>
-          </a:prstGeom>
-        </p:spPr>
-        <p:txBody>
-          <a:bodyPr lIns="0" rIns="0" tIns="0" bIns="0">
-            <a:normAutofit/>
-          </a:bodyPr>
-          <a:p>
-            <a:endParaRPr b="0" lang="en-US" sz="3200" spc="-1" strike="noStrike">
-              <a:latin typeface="Arial"/>
-            </a:endParaRPr>
-          </a:p>
-        </p:txBody>
-      </p:sp>
-    </p:spTree>
-  </p:cSld>
-</p:sldLayout>
-</file>
-
-<file path=ppt/slideLayouts/slideLayout48.xml><?xml version="1.0" encoding="utf-8"?>
-<p:sldLayout xmlns:a="http://schemas.openxmlformats.org/drawingml/2006/main" xmlns:p="http://schemas.openxmlformats.org/presentationml/2006/main" xmlns:r="http://schemas.openxmlformats.org/officeDocument/2006/relationships" xmlns:p14="http://schemas.microsoft.com/office/powerpoint/2010/main" xmlns:p15="http://schemas.microsoft.com/office/powerpoint/2012/main" xmlns:mc="http://schemas.openxmlformats.org/markup-compatibility/2006" type="blank" preserve="1">
-  <p:cSld name="Title, 6 Content">
-    <p:spTree>
-      <p:nvGrpSpPr>
-        <p:cNvPr id="1" name=""/>
-        <p:cNvGrpSpPr/>
-        <p:nvPr/>
-      </p:nvGrpSpPr>
-      <p:grpSpPr>
-        <a:xfrm>
-          <a:off x="0" y="0"/>
-          <a:ext cx="0" cy="0"/>
-          <a:chOff x="0" y="0"/>
-          <a:chExt cx="0" cy="0"/>
-        </a:xfrm>
-      </p:grpSpPr>
-      <p:sp>
-        <p:nvSpPr>
-          <p:cNvPr id="152" name="PlaceHolder 1"/>
-          <p:cNvSpPr>
-            <a:spLocks noGrp="1"/>
-          </p:cNvSpPr>
-          <p:nvPr>
-            <p:ph type="title"/>
-          </p:nvPr>
-        </p:nvSpPr>
-        <p:spPr>
-          <a:xfrm>
-            <a:off x="609480" y="273600"/>
-            <a:ext cx="10972440" cy="1144800"/>
-          </a:xfrm>
-          <a:prstGeom prst="rect">
-            <a:avLst/>
-          </a:prstGeom>
-        </p:spPr>
-        <p:txBody>
-          <a:bodyPr lIns="0" rIns="0" tIns="0" bIns="0" anchor="ctr"/>
-          <a:p>
-            <a:pPr algn="ctr"/>
-            <a:endParaRPr b="0" lang="en-US" sz="4400" spc="-1" strike="noStrike">
-              <a:latin typeface="Arial"/>
-            </a:endParaRPr>
-          </a:p>
-        </p:txBody>
-      </p:sp>
-      <p:sp>
-        <p:nvSpPr>
-          <p:cNvPr id="153" name="PlaceHolder 2"/>
-          <p:cNvSpPr>
-            <a:spLocks noGrp="1"/>
-          </p:cNvSpPr>
-          <p:nvPr>
-            <p:ph type="body"/>
-          </p:nvPr>
-        </p:nvSpPr>
-        <p:spPr>
-          <a:xfrm>
-            <a:off x="609480" y="1604520"/>
-            <a:ext cx="3533040" cy="1896840"/>
-          </a:xfrm>
-          <a:prstGeom prst="rect">
-            <a:avLst/>
-          </a:prstGeom>
-        </p:spPr>
-        <p:txBody>
-          <a:bodyPr lIns="0" rIns="0" tIns="0" bIns="0">
-            <a:normAutofit/>
-          </a:bodyPr>
-          <a:p>
-            <a:endParaRPr b="0" lang="en-US" sz="3200" spc="-1" strike="noStrike">
-              <a:latin typeface="Arial"/>
-            </a:endParaRPr>
-          </a:p>
-        </p:txBody>
-      </p:sp>
-      <p:sp>
-        <p:nvSpPr>
-          <p:cNvPr id="154" name="PlaceHolder 3"/>
-          <p:cNvSpPr>
-            <a:spLocks noGrp="1"/>
-          </p:cNvSpPr>
-          <p:nvPr>
-            <p:ph type="body"/>
-          </p:nvPr>
-        </p:nvSpPr>
-        <p:spPr>
-          <a:xfrm>
-            <a:off x="4319640" y="1604520"/>
-            <a:ext cx="3533040" cy="1896840"/>
-          </a:xfrm>
-          <a:prstGeom prst="rect">
-            <a:avLst/>
-          </a:prstGeom>
-        </p:spPr>
-        <p:txBody>
-          <a:bodyPr lIns="0" rIns="0" tIns="0" bIns="0">
-            <a:normAutofit/>
-          </a:bodyPr>
-          <a:p>
-            <a:endParaRPr b="0" lang="en-US" sz="3200" spc="-1" strike="noStrike">
-              <a:latin typeface="Arial"/>
-            </a:endParaRPr>
-          </a:p>
-        </p:txBody>
-      </p:sp>
-      <p:sp>
-        <p:nvSpPr>
-          <p:cNvPr id="155" name="PlaceHolder 4"/>
-          <p:cNvSpPr>
-            <a:spLocks noGrp="1"/>
-          </p:cNvSpPr>
-          <p:nvPr>
-            <p:ph type="body"/>
-          </p:nvPr>
-        </p:nvSpPr>
-        <p:spPr>
-          <a:xfrm>
-            <a:off x="8029800" y="1604520"/>
-            <a:ext cx="3533040" cy="1896840"/>
-          </a:xfrm>
-          <a:prstGeom prst="rect">
-            <a:avLst/>
-          </a:prstGeom>
-        </p:spPr>
-        <p:txBody>
-          <a:bodyPr lIns="0" rIns="0" tIns="0" bIns="0">
-            <a:normAutofit/>
-          </a:bodyPr>
-          <a:p>
-            <a:endParaRPr b="0" lang="en-US" sz="3200" spc="-1" strike="noStrike">
-              <a:latin typeface="Arial"/>
-            </a:endParaRPr>
-          </a:p>
-        </p:txBody>
-      </p:sp>
-      <p:sp>
-        <p:nvSpPr>
-          <p:cNvPr id="156" name="PlaceHolder 5"/>
-          <p:cNvSpPr>
-            <a:spLocks noGrp="1"/>
-          </p:cNvSpPr>
-          <p:nvPr>
-            <p:ph type="body"/>
-          </p:nvPr>
-        </p:nvSpPr>
-        <p:spPr>
-          <a:xfrm>
-            <a:off x="609480" y="3682080"/>
-            <a:ext cx="3533040" cy="1896840"/>
-          </a:xfrm>
-          <a:prstGeom prst="rect">
-            <a:avLst/>
-          </a:prstGeom>
-        </p:spPr>
-        <p:txBody>
-          <a:bodyPr lIns="0" rIns="0" tIns="0" bIns="0">
-            <a:normAutofit/>
-          </a:bodyPr>
-          <a:p>
-            <a:endParaRPr b="0" lang="en-US" sz="3200" spc="-1" strike="noStrike">
-              <a:latin typeface="Arial"/>
-            </a:endParaRPr>
-          </a:p>
-        </p:txBody>
-      </p:sp>
-      <p:sp>
-        <p:nvSpPr>
-          <p:cNvPr id="157" name="PlaceHolder 6"/>
-          <p:cNvSpPr>
-            <a:spLocks noGrp="1"/>
-          </p:cNvSpPr>
-          <p:nvPr>
-            <p:ph type="body"/>
-          </p:nvPr>
-        </p:nvSpPr>
-        <p:spPr>
-          <a:xfrm>
-            <a:off x="4319640" y="3682080"/>
-            <a:ext cx="3533040" cy="1896840"/>
-          </a:xfrm>
-          <a:prstGeom prst="rect">
-            <a:avLst/>
-          </a:prstGeom>
-        </p:spPr>
-        <p:txBody>
-          <a:bodyPr lIns="0" rIns="0" tIns="0" bIns="0">
-            <a:normAutofit/>
-          </a:bodyPr>
-          <a:p>
-            <a:endParaRPr b="0" lang="en-US" sz="3200" spc="-1" strike="noStrike">
-              <a:latin typeface="Arial"/>
-            </a:endParaRPr>
-          </a:p>
-        </p:txBody>
-      </p:sp>
-      <p:sp>
-        <p:nvSpPr>
-          <p:cNvPr id="158" name="PlaceHolder 7"/>
-          <p:cNvSpPr>
-            <a:spLocks noGrp="1"/>
-          </p:cNvSpPr>
-          <p:nvPr>
-            <p:ph type="body"/>
-          </p:nvPr>
-        </p:nvSpPr>
-        <p:spPr>
-          <a:xfrm>
-            <a:off x="8029800" y="3682080"/>
-            <a:ext cx="3533040" cy="1896840"/>
           </a:xfrm>
           <a:prstGeom prst="rect">
             <a:avLst/>
@@ -5741,7 +4385,7 @@
         <p:spPr>
           <a:xfrm>
             <a:off x="11542320" y="206280"/>
-            <a:ext cx="495360" cy="403920"/>
+            <a:ext cx="495000" cy="403560"/>
           </a:xfrm>
           <a:prstGeom prst="rect">
             <a:avLst/>
@@ -5763,8 +4407,8 @@
         </p:nvSpPr>
         <p:spPr>
           <a:xfrm>
-            <a:off x="838080" y="365040"/>
-            <a:ext cx="10514880" cy="1324800"/>
+            <a:off x="609480" y="273600"/>
+            <a:ext cx="10972080" cy="1144440"/>
           </a:xfrm>
           <a:prstGeom prst="rect">
             <a:avLst/>
@@ -5773,14 +4417,13 @@
         <p:txBody>
           <a:bodyPr lIns="0" rIns="0" tIns="0" bIns="0" anchor="ctr"/>
           <a:p>
-            <a:pPr algn="ctr"/>
-            <a:r>
-              <a:rPr b="0" lang="en-US" sz="4400" spc="-1" strike="noStrike">
+            <a:r>
+              <a:rPr b="0" lang="en-US" sz="1800" spc="-1" strike="noStrike">
                 <a:latin typeface="Arial"/>
               </a:rPr>
               <a:t>单击鼠标编辑标题文字格式</a:t>
             </a:r>
-            <a:endParaRPr b="0" lang="en-US" sz="4400" spc="-1" strike="noStrike">
+            <a:endParaRPr b="0" lang="en-US" sz="1800" spc="-1" strike="noStrike">
               <a:latin typeface="Arial"/>
             </a:endParaRPr>
           </a:p>
@@ -5799,7 +4442,7 @@
         <p:spPr>
           <a:xfrm>
             <a:off x="609480" y="1604520"/>
-            <a:ext cx="10972440" cy="3977280"/>
+            <a:ext cx="10972080" cy="3976920"/>
           </a:xfrm>
           <a:prstGeom prst="rect">
             <a:avLst/>
@@ -5822,12 +4465,12 @@
               <a:buChar char=""/>
             </a:pPr>
             <a:r>
-              <a:rPr b="0" lang="en-US" sz="3200" spc="-1" strike="noStrike">
+              <a:rPr b="0" lang="en-US" sz="1800" spc="-1" strike="noStrike">
                 <a:latin typeface="Arial"/>
               </a:rPr>
               <a:t>单击鼠标编辑大纲文字格式</a:t>
             </a:r>
-            <a:endParaRPr b="0" lang="en-US" sz="3200" spc="-1" strike="noStrike">
+            <a:endParaRPr b="0" lang="en-US" sz="1800" spc="-1" strike="noStrike">
               <a:latin typeface="Arial"/>
             </a:endParaRPr>
           </a:p>
@@ -5844,12 +4487,12 @@
               <a:buChar char=""/>
             </a:pPr>
             <a:r>
-              <a:rPr b="0" lang="en-US" sz="2800" spc="-1" strike="noStrike">
+              <a:rPr b="0" lang="en-US" sz="1800" spc="-1" strike="noStrike">
                 <a:latin typeface="Arial"/>
               </a:rPr>
               <a:t>第二个大纲级</a:t>
             </a:r>
-            <a:endParaRPr b="0" lang="en-US" sz="2800" spc="-1" strike="noStrike">
+            <a:endParaRPr b="0" lang="en-US" sz="1800" spc="-1" strike="noStrike">
               <a:latin typeface="Arial"/>
             </a:endParaRPr>
           </a:p>
@@ -5866,12 +4509,12 @@
               <a:buChar char=""/>
             </a:pPr>
             <a:r>
-              <a:rPr b="0" lang="en-US" sz="2400" spc="-1" strike="noStrike">
+              <a:rPr b="0" lang="en-US" sz="1800" spc="-1" strike="noStrike">
                 <a:latin typeface="Arial"/>
               </a:rPr>
               <a:t>第三大纲级别</a:t>
             </a:r>
-            <a:endParaRPr b="0" lang="en-US" sz="2400" spc="-1" strike="noStrike">
+            <a:endParaRPr b="0" lang="en-US" sz="1800" spc="-1" strike="noStrike">
               <a:latin typeface="Arial"/>
             </a:endParaRPr>
           </a:p>
@@ -5888,12 +4531,12 @@
               <a:buChar char=""/>
             </a:pPr>
             <a:r>
-              <a:rPr b="0" lang="en-US" sz="2000" spc="-1" strike="noStrike">
+              <a:rPr b="0" lang="en-US" sz="1800" spc="-1" strike="noStrike">
                 <a:latin typeface="Arial"/>
               </a:rPr>
               <a:t>第四大纲级别</a:t>
             </a:r>
-            <a:endParaRPr b="0" lang="en-US" sz="2000" spc="-1" strike="noStrike">
+            <a:endParaRPr b="0" lang="en-US" sz="1800" spc="-1" strike="noStrike">
               <a:latin typeface="Arial"/>
             </a:endParaRPr>
           </a:p>
@@ -5910,12 +4553,12 @@
               <a:buChar char=""/>
             </a:pPr>
             <a:r>
-              <a:rPr b="0" lang="en-US" sz="2000" spc="-1" strike="noStrike">
+              <a:rPr b="0" lang="en-US" sz="1800" spc="-1" strike="noStrike">
                 <a:latin typeface="Arial"/>
               </a:rPr>
               <a:t>第五大纲级别</a:t>
             </a:r>
-            <a:endParaRPr b="0" lang="en-US" sz="2000" spc="-1" strike="noStrike">
+            <a:endParaRPr b="0" lang="en-US" sz="1800" spc="-1" strike="noStrike">
               <a:latin typeface="Arial"/>
             </a:endParaRPr>
           </a:p>
@@ -5932,12 +4575,12 @@
               <a:buChar char=""/>
             </a:pPr>
             <a:r>
-              <a:rPr b="0" lang="en-US" sz="2000" spc="-1" strike="noStrike">
+              <a:rPr b="0" lang="en-US" sz="1800" spc="-1" strike="noStrike">
                 <a:latin typeface="Arial"/>
               </a:rPr>
               <a:t>第六大纲级别</a:t>
             </a:r>
-            <a:endParaRPr b="0" lang="en-US" sz="2000" spc="-1" strike="noStrike">
+            <a:endParaRPr b="0" lang="en-US" sz="1800" spc="-1" strike="noStrike">
               <a:latin typeface="Arial"/>
             </a:endParaRPr>
           </a:p>
@@ -5954,12 +4597,12 @@
               <a:buChar char=""/>
             </a:pPr>
             <a:r>
-              <a:rPr b="0" lang="en-US" sz="2000" spc="-1" strike="noStrike">
+              <a:rPr b="0" lang="en-US" sz="1800" spc="-1" strike="noStrike">
                 <a:latin typeface="Arial"/>
               </a:rPr>
               <a:t>第七大纲级别</a:t>
             </a:r>
-            <a:endParaRPr b="0" lang="en-US" sz="2000" spc="-1" strike="noStrike">
+            <a:endParaRPr b="0" lang="en-US" sz="1800" spc="-1" strike="noStrike">
               <a:latin typeface="Arial"/>
             </a:endParaRPr>
           </a:p>
@@ -6023,7 +4666,7 @@
         <p:spPr>
           <a:xfrm>
             <a:off x="11542320" y="206280"/>
-            <a:ext cx="495360" cy="403920"/>
+            <a:ext cx="495000" cy="403560"/>
           </a:xfrm>
           <a:prstGeom prst="rect">
             <a:avLst/>
@@ -6047,7 +4690,7 @@
         <p:spPr>
           <a:xfrm>
             <a:off x="11542320" y="206280"/>
-            <a:ext cx="495360" cy="403920"/>
+            <a:ext cx="495000" cy="403560"/>
           </a:xfrm>
           <a:prstGeom prst="rect">
             <a:avLst/>
@@ -6097,8 +4740,8 @@
         </p:nvSpPr>
         <p:spPr>
           <a:xfrm>
-            <a:off x="838080" y="365040"/>
-            <a:ext cx="10514880" cy="1324800"/>
+            <a:off x="609480" y="273600"/>
+            <a:ext cx="10972440" cy="1144800"/>
           </a:xfrm>
           <a:prstGeom prst="rect">
             <a:avLst/>
@@ -6132,8 +4775,8 @@
         </p:nvSpPr>
         <p:spPr>
           <a:xfrm>
-            <a:off x="838080" y="1825560"/>
-            <a:ext cx="10514880" cy="4350600"/>
+            <a:off x="609480" y="1604520"/>
+            <a:ext cx="10972440" cy="3977280"/>
           </a:xfrm>
           <a:prstGeom prst="rect">
             <a:avLst/>
@@ -6357,7 +5000,7 @@
         <p:spPr>
           <a:xfrm>
             <a:off x="11542320" y="206280"/>
-            <a:ext cx="495360" cy="403920"/>
+            <a:ext cx="495000" cy="403560"/>
           </a:xfrm>
           <a:prstGeom prst="rect">
             <a:avLst/>
@@ -6381,7 +5024,7 @@
         <p:spPr>
           <a:xfrm>
             <a:off x="11542320" y="206280"/>
-            <a:ext cx="495360" cy="403920"/>
+            <a:ext cx="495000" cy="403560"/>
           </a:xfrm>
           <a:prstGeom prst="rect">
             <a:avLst/>
@@ -6649,264 +5292,6 @@
     <p:sldLayoutId id="2147483684" r:id="rId13"/>
     <p:sldLayoutId id="2147483685" r:id="rId14"/>
     <p:sldLayoutId id="2147483686" r:id="rId15"/>
-  </p:sldLayoutIdLst>
-</p:sldMaster>
-</file>
-
-<file path=ppt/slideMasters/slideMaster4.xml><?xml version="1.0" encoding="utf-8"?>
-<p:sldMaster xmlns:a="http://schemas.openxmlformats.org/drawingml/2006/main" xmlns:p="http://schemas.openxmlformats.org/presentationml/2006/main" xmlns:r="http://schemas.openxmlformats.org/officeDocument/2006/relationships" xmlns:p14="http://schemas.microsoft.com/office/powerpoint/2010/main" xmlns:p15="http://schemas.microsoft.com/office/powerpoint/2012/main" xmlns:mc="http://schemas.openxmlformats.org/markup-compatibility/2006">
-  <p:cSld>
-    <p:bg>
-      <p:bgPr>
-        <a:solidFill>
-          <a:srgbClr val="ffffff"/>
-        </a:solidFill>
-      </p:bgPr>
-    </p:bg>
-    <p:spTree>
-      <p:nvGrpSpPr>
-        <p:cNvPr id="1" name=""/>
-        <p:cNvGrpSpPr/>
-        <p:nvPr/>
-      </p:nvGrpSpPr>
-      <p:grpSpPr>
-        <a:xfrm>
-          <a:off x="0" y="0"/>
-          <a:ext cx="0" cy="0"/>
-          <a:chOff x="0" y="0"/>
-          <a:chExt cx="0" cy="0"/>
-        </a:xfrm>
-      </p:grpSpPr>
-      <p:sp>
-        <p:nvSpPr>
-          <p:cNvPr id="121" name="PlaceHolder 1"/>
-          <p:cNvSpPr>
-            <a:spLocks noGrp="1"/>
-          </p:cNvSpPr>
-          <p:nvPr>
-            <p:ph type="title"/>
-          </p:nvPr>
-        </p:nvSpPr>
-        <p:spPr>
-          <a:xfrm>
-            <a:off x="609480" y="273600"/>
-            <a:ext cx="10972440" cy="1144800"/>
-          </a:xfrm>
-          <a:prstGeom prst="rect">
-            <a:avLst/>
-          </a:prstGeom>
-        </p:spPr>
-        <p:txBody>
-          <a:bodyPr lIns="0" rIns="0" tIns="0" bIns="0" anchor="ctr"/>
-          <a:p>
-            <a:pPr algn="ctr"/>
-            <a:r>
-              <a:rPr b="0" lang="en-US" sz="4400" spc="-1" strike="noStrike">
-                <a:latin typeface="Arial"/>
-              </a:rPr>
-              <a:t>单击鼠标编辑标题文字格式</a:t>
-            </a:r>
-            <a:endParaRPr b="0" lang="en-US" sz="4400" spc="-1" strike="noStrike">
-              <a:latin typeface="Arial"/>
-            </a:endParaRPr>
-          </a:p>
-        </p:txBody>
-      </p:sp>
-      <p:sp>
-        <p:nvSpPr>
-          <p:cNvPr id="122" name="PlaceHolder 2"/>
-          <p:cNvSpPr>
-            <a:spLocks noGrp="1"/>
-          </p:cNvSpPr>
-          <p:nvPr>
-            <p:ph type="body"/>
-          </p:nvPr>
-        </p:nvSpPr>
-        <p:spPr>
-          <a:xfrm>
-            <a:off x="609480" y="1604520"/>
-            <a:ext cx="10972440" cy="3977280"/>
-          </a:xfrm>
-          <a:prstGeom prst="rect">
-            <a:avLst/>
-          </a:prstGeom>
-        </p:spPr>
-        <p:txBody>
-          <a:bodyPr lIns="0" rIns="0" tIns="0" bIns="0">
-            <a:normAutofit/>
-          </a:bodyPr>
-          <a:p>
-            <a:pPr marL="432000" indent="-324000">
-              <a:spcBef>
-                <a:spcPts val="1417"/>
-              </a:spcBef>
-              <a:buClr>
-                <a:srgbClr val="000000"/>
-              </a:buClr>
-              <a:buSzPct val="45000"/>
-              <a:buFont typeface="Wingdings" charset="2"/>
-              <a:buChar char=""/>
-            </a:pPr>
-            <a:r>
-              <a:rPr b="0" lang="en-US" sz="3200" spc="-1" strike="noStrike">
-                <a:latin typeface="Arial"/>
-              </a:rPr>
-              <a:t>单击鼠标编辑大纲文字格式</a:t>
-            </a:r>
-            <a:endParaRPr b="0" lang="en-US" sz="3200" spc="-1" strike="noStrike">
-              <a:latin typeface="Arial"/>
-            </a:endParaRPr>
-          </a:p>
-          <a:p>
-            <a:pPr lvl="1" marL="864000" indent="-324000">
-              <a:spcBef>
-                <a:spcPts val="1134"/>
-              </a:spcBef>
-              <a:buClr>
-                <a:srgbClr val="000000"/>
-              </a:buClr>
-              <a:buSzPct val="75000"/>
-              <a:buFont typeface="Symbol" charset="2"/>
-              <a:buChar char=""/>
-            </a:pPr>
-            <a:r>
-              <a:rPr b="0" lang="en-US" sz="2800" spc="-1" strike="noStrike">
-                <a:latin typeface="Arial"/>
-              </a:rPr>
-              <a:t>第二个大纲级</a:t>
-            </a:r>
-            <a:endParaRPr b="0" lang="en-US" sz="2800" spc="-1" strike="noStrike">
-              <a:latin typeface="Arial"/>
-            </a:endParaRPr>
-          </a:p>
-          <a:p>
-            <a:pPr lvl="2" marL="1296000" indent="-288000">
-              <a:spcBef>
-                <a:spcPts val="850"/>
-              </a:spcBef>
-              <a:buClr>
-                <a:srgbClr val="000000"/>
-              </a:buClr>
-              <a:buSzPct val="45000"/>
-              <a:buFont typeface="Wingdings" charset="2"/>
-              <a:buChar char=""/>
-            </a:pPr>
-            <a:r>
-              <a:rPr b="0" lang="en-US" sz="2400" spc="-1" strike="noStrike">
-                <a:latin typeface="Arial"/>
-              </a:rPr>
-              <a:t>第三大纲级别</a:t>
-            </a:r>
-            <a:endParaRPr b="0" lang="en-US" sz="2400" spc="-1" strike="noStrike">
-              <a:latin typeface="Arial"/>
-            </a:endParaRPr>
-          </a:p>
-          <a:p>
-            <a:pPr lvl="3" marL="1728000" indent="-216000">
-              <a:spcBef>
-                <a:spcPts val="567"/>
-              </a:spcBef>
-              <a:buClr>
-                <a:srgbClr val="000000"/>
-              </a:buClr>
-              <a:buSzPct val="75000"/>
-              <a:buFont typeface="Symbol" charset="2"/>
-              <a:buChar char=""/>
-            </a:pPr>
-            <a:r>
-              <a:rPr b="0" lang="en-US" sz="2000" spc="-1" strike="noStrike">
-                <a:latin typeface="Arial"/>
-              </a:rPr>
-              <a:t>第四大纲级别</a:t>
-            </a:r>
-            <a:endParaRPr b="0" lang="en-US" sz="2000" spc="-1" strike="noStrike">
-              <a:latin typeface="Arial"/>
-            </a:endParaRPr>
-          </a:p>
-          <a:p>
-            <a:pPr lvl="4" marL="2160000" indent="-216000">
-              <a:spcBef>
-                <a:spcPts val="283"/>
-              </a:spcBef>
-              <a:buClr>
-                <a:srgbClr val="000000"/>
-              </a:buClr>
-              <a:buSzPct val="45000"/>
-              <a:buFont typeface="Wingdings" charset="2"/>
-              <a:buChar char=""/>
-            </a:pPr>
-            <a:r>
-              <a:rPr b="0" lang="en-US" sz="2000" spc="-1" strike="noStrike">
-                <a:latin typeface="Arial"/>
-              </a:rPr>
-              <a:t>第五大纲级别</a:t>
-            </a:r>
-            <a:endParaRPr b="0" lang="en-US" sz="2000" spc="-1" strike="noStrike">
-              <a:latin typeface="Arial"/>
-            </a:endParaRPr>
-          </a:p>
-          <a:p>
-            <a:pPr lvl="5" marL="2592000" indent="-216000">
-              <a:spcBef>
-                <a:spcPts val="283"/>
-              </a:spcBef>
-              <a:buClr>
-                <a:srgbClr val="000000"/>
-              </a:buClr>
-              <a:buSzPct val="45000"/>
-              <a:buFont typeface="Wingdings" charset="2"/>
-              <a:buChar char=""/>
-            </a:pPr>
-            <a:r>
-              <a:rPr b="0" lang="en-US" sz="2000" spc="-1" strike="noStrike">
-                <a:latin typeface="Arial"/>
-              </a:rPr>
-              <a:t>第六大纲级别</a:t>
-            </a:r>
-            <a:endParaRPr b="0" lang="en-US" sz="2000" spc="-1" strike="noStrike">
-              <a:latin typeface="Arial"/>
-            </a:endParaRPr>
-          </a:p>
-          <a:p>
-            <a:pPr lvl="6" marL="3024000" indent="-216000">
-              <a:spcBef>
-                <a:spcPts val="283"/>
-              </a:spcBef>
-              <a:buClr>
-                <a:srgbClr val="000000"/>
-              </a:buClr>
-              <a:buSzPct val="45000"/>
-              <a:buFont typeface="Wingdings" charset="2"/>
-              <a:buChar char=""/>
-            </a:pPr>
-            <a:r>
-              <a:rPr b="0" lang="en-US" sz="2000" spc="-1" strike="noStrike">
-                <a:latin typeface="Arial"/>
-              </a:rPr>
-              <a:t>第七大纲级别</a:t>
-            </a:r>
-            <a:endParaRPr b="0" lang="en-US" sz="2000" spc="-1" strike="noStrike">
-              <a:latin typeface="Arial"/>
-            </a:endParaRPr>
-          </a:p>
-        </p:txBody>
-      </p:sp>
-    </p:spTree>
-  </p:cSld>
-  <p:clrMap bg1="lt1" bg2="lt2" tx1="dk1" tx2="dk2" accent1="accent1" accent2="accent2" accent3="accent3" accent4="accent4" accent5="accent5" accent6="accent6" hlink="hlink" folHlink="folHlink"/>
-  <p:sldLayoutIdLst>
-    <p:sldLayoutId id="2147483688" r:id="rId2"/>
-    <p:sldLayoutId id="2147483689" r:id="rId3"/>
-    <p:sldLayoutId id="2147483690" r:id="rId4"/>
-    <p:sldLayoutId id="2147483691" r:id="rId5"/>
-    <p:sldLayoutId id="2147483692" r:id="rId6"/>
-    <p:sldLayoutId id="2147483693" r:id="rId7"/>
-    <p:sldLayoutId id="2147483694" r:id="rId8"/>
-    <p:sldLayoutId id="2147483695" r:id="rId9"/>
-    <p:sldLayoutId id="2147483696" r:id="rId10"/>
-    <p:sldLayoutId id="2147483697" r:id="rId11"/>
-    <p:sldLayoutId id="2147483698" r:id="rId12"/>
-    <p:sldLayoutId id="2147483699" r:id="rId13"/>
   </p:sldLayoutIdLst>
 </p:sldMaster>
 </file>
@@ -6930,7 +5315,7 @@
       </p:grpSpPr>
       <p:pic>
         <p:nvPicPr>
-          <p:cNvPr id="165" name="图片 6" descr=""/>
+          <p:cNvPr id="127" name="图片 6" descr=""/>
           <p:cNvPicPr/>
           <p:nvPr/>
         </p:nvPicPr>
@@ -6942,7 +5327,7 @@
         <p:spPr>
           <a:xfrm>
             <a:off x="11542320" y="206280"/>
-            <a:ext cx="495360" cy="403920"/>
+            <a:ext cx="495000" cy="403560"/>
           </a:xfrm>
           <a:prstGeom prst="rect">
             <a:avLst/>
@@ -6954,14 +5339,14 @@
       </p:pic>
       <p:sp>
         <p:nvSpPr>
-          <p:cNvPr id="166" name="CustomShape 1"/>
+          <p:cNvPr id="128" name="CustomShape 1"/>
           <p:cNvSpPr/>
           <p:nvPr/>
         </p:nvSpPr>
         <p:spPr>
           <a:xfrm>
             <a:off x="-1219320" y="-2146680"/>
-            <a:ext cx="183960" cy="368640"/>
+            <a:ext cx="183600" cy="368280"/>
           </a:xfrm>
           <a:prstGeom prst="rect">
             <a:avLst/>
@@ -6980,14 +5365,14 @@
       </p:sp>
       <p:sp>
         <p:nvSpPr>
-          <p:cNvPr id="167" name="CustomShape 2"/>
+          <p:cNvPr id="129" name="CustomShape 2"/>
           <p:cNvSpPr/>
           <p:nvPr/>
         </p:nvSpPr>
         <p:spPr>
           <a:xfrm>
             <a:off x="1337040" y="1305360"/>
-            <a:ext cx="9231840" cy="1004400"/>
+            <a:ext cx="9231480" cy="1004040"/>
           </a:xfrm>
           <a:prstGeom prst="rect">
             <a:avLst/>
@@ -7029,14 +5414,14 @@
       </p:sp>
       <p:sp>
         <p:nvSpPr>
-          <p:cNvPr id="168" name="CustomShape 3"/>
+          <p:cNvPr id="130" name="CustomShape 3"/>
           <p:cNvSpPr/>
           <p:nvPr/>
         </p:nvSpPr>
         <p:spPr>
           <a:xfrm>
             <a:off x="6552000" y="4320000"/>
-            <a:ext cx="5004000" cy="1766520"/>
+            <a:ext cx="5003640" cy="1766160"/>
           </a:xfrm>
           <a:prstGeom prst="rect">
             <a:avLst/>
@@ -7378,7 +5763,7 @@
                 <a:latin typeface="黑体"/>
                 <a:ea typeface="黑体"/>
               </a:rPr>
-              <a:t>10</a:t>
+              <a:t>12</a:t>
             </a:r>
             <a:r>
               <a:rPr b="0" lang="en-US" sz="1800" spc="-1" strike="noStrike">
@@ -7447,14 +5832,14 @@
       </p:grpSpPr>
       <p:sp>
         <p:nvSpPr>
-          <p:cNvPr id="169" name="CustomShape 1"/>
+          <p:cNvPr id="131" name="CustomShape 1"/>
           <p:cNvSpPr/>
           <p:nvPr/>
         </p:nvSpPr>
         <p:spPr>
           <a:xfrm>
             <a:off x="424440" y="316080"/>
-            <a:ext cx="5436360" cy="455760"/>
+            <a:ext cx="5436000" cy="455400"/>
           </a:xfrm>
           <a:prstGeom prst="rect">
             <a:avLst/>
@@ -7496,14 +5881,14 @@
       </p:sp>
       <p:sp>
         <p:nvSpPr>
-          <p:cNvPr id="170" name="CustomShape 2"/>
+          <p:cNvPr id="132" name="CustomShape 2"/>
           <p:cNvSpPr/>
           <p:nvPr/>
         </p:nvSpPr>
         <p:spPr>
           <a:xfrm>
             <a:off x="648000" y="1080000"/>
-            <a:ext cx="10799640" cy="5183640"/>
+            <a:ext cx="10799280" cy="5183280"/>
           </a:xfrm>
           <a:prstGeom prst="rect">
             <a:avLst/>
@@ -7638,6 +6023,7 @@
                   <a:srgbClr val="000000"/>
                 </a:solidFill>
                 <a:latin typeface="Calibri"/>
+                <a:ea typeface="DejaVu Sans"/>
               </a:rPr>
               <a:t>。</a:t>
             </a:r>
@@ -7660,6 +6046,7 @@
                   <a:srgbClr val="000000"/>
                 </a:solidFill>
                 <a:latin typeface="Calibri"/>
+                <a:ea typeface="DejaVu Sans"/>
               </a:rPr>
               <a:t>    </a:t>
             </a:r>
@@ -7669,6 +6056,7 @@
                   <a:srgbClr val="000000"/>
                 </a:solidFill>
                 <a:latin typeface="Calibri"/>
+                <a:ea typeface="DejaVu Sans"/>
               </a:rPr>
               <a:t>在本部门工作中，我一直严格要求自己，认真及时地完成领导布置的每一项任务，并虚心向同事学习，不断改正工作中的不足</a:t>
             </a:r>
@@ -7678,6 +6066,7 @@
                   <a:srgbClr val="000000"/>
                 </a:solidFill>
                 <a:latin typeface="Calibri"/>
+                <a:ea typeface="DejaVu Sans"/>
               </a:rPr>
               <a:t>;</a:t>
             </a:r>
@@ -7687,6 +6076,7 @@
                   <a:srgbClr val="000000"/>
                 </a:solidFill>
                 <a:latin typeface="Calibri"/>
+                <a:ea typeface="DejaVu Sans"/>
               </a:rPr>
               <a:t>对于集团及公司的制度和规定都是认真学习并严格贯彻执行</a:t>
             </a:r>
@@ -7696,6 +6086,7 @@
                   <a:srgbClr val="000000"/>
                 </a:solidFill>
                 <a:latin typeface="Calibri"/>
+                <a:ea typeface="DejaVu Sans"/>
               </a:rPr>
               <a:t>;</a:t>
             </a:r>
@@ -7705,6 +6096,7 @@
                   <a:srgbClr val="000000"/>
                 </a:solidFill>
                 <a:latin typeface="Calibri"/>
+                <a:ea typeface="DejaVu Sans"/>
               </a:rPr>
               <a:t>另外，本人具有很强的团队合作精神，能很好的协调及沟通，配合各部门负责人落实及完成公司各项工作，并热心帮助其他同事，与人相处和谐融洽。</a:t>
             </a:r>
@@ -7727,6 +6119,7 @@
                   <a:srgbClr val="000000"/>
                 </a:solidFill>
                 <a:latin typeface="Calibri"/>
+                <a:ea typeface="DejaVu Sans"/>
               </a:rPr>
               <a:t>    </a:t>
             </a:r>
@@ -7736,6 +6129,7 @@
                   <a:srgbClr val="000000"/>
                 </a:solidFill>
                 <a:latin typeface="Calibri"/>
+                <a:ea typeface="DejaVu Sans"/>
               </a:rPr>
               <a:t>在过去的</a:t>
             </a:r>
@@ -7745,6 +6139,7 @@
                   <a:srgbClr val="000000"/>
                 </a:solidFill>
                 <a:latin typeface="Calibri"/>
+                <a:ea typeface="DejaVu Sans"/>
               </a:rPr>
               <a:t>5</a:t>
             </a:r>
@@ -7754,6 +6149,7 @@
                   <a:srgbClr val="000000"/>
                 </a:solidFill>
                 <a:latin typeface="Calibri"/>
+                <a:ea typeface="DejaVu Sans"/>
               </a:rPr>
               <a:t>个月中，通过不断的学习和自我提高，已经适应了自己的本职工作，但是对于一个初入公司的新人，要全面融入企业的方方面面，可能在一些问题的考虑上还不够全面，但是我相信，通过公司领导及同事的悉心指导和帮助，我一定能在今后的工作中更好的提高自己的业务水平和综合素质，更好的完成本职工作，不断谋求与企业的共同发展</a:t>
             </a:r>
@@ -7763,6 +6159,7 @@
                   <a:srgbClr val="000000"/>
                 </a:solidFill>
                 <a:latin typeface="Calibri"/>
+                <a:ea typeface="DejaVu Sans"/>
               </a:rPr>
               <a:t>!</a:t>
             </a:r>
@@ -7823,14 +6220,14 @@
       </p:grpSpPr>
       <p:sp>
         <p:nvSpPr>
-          <p:cNvPr id="171" name="CustomShape 1"/>
+          <p:cNvPr id="133" name="CustomShape 1"/>
           <p:cNvSpPr/>
           <p:nvPr/>
         </p:nvSpPr>
         <p:spPr>
           <a:xfrm>
             <a:off x="452160" y="263160"/>
-            <a:ext cx="5436360" cy="455760"/>
+            <a:ext cx="5436000" cy="455400"/>
           </a:xfrm>
           <a:prstGeom prst="rect">
             <a:avLst/>
@@ -7872,14 +6269,14 @@
       </p:sp>
       <p:sp>
         <p:nvSpPr>
-          <p:cNvPr id="172" name="CustomShape 2"/>
+          <p:cNvPr id="134" name="CustomShape 2"/>
           <p:cNvSpPr/>
           <p:nvPr/>
         </p:nvSpPr>
         <p:spPr>
           <a:xfrm>
             <a:off x="648000" y="1080000"/>
-            <a:ext cx="10799640" cy="5183640"/>
+            <a:ext cx="10799280" cy="5183280"/>
           </a:xfrm>
           <a:prstGeom prst="rect">
             <a:avLst/>
@@ -8611,14 +7008,14 @@
       </p:grpSpPr>
       <p:sp>
         <p:nvSpPr>
-          <p:cNvPr id="173" name="CustomShape 1"/>
+          <p:cNvPr id="135" name="CustomShape 1"/>
           <p:cNvSpPr/>
           <p:nvPr/>
         </p:nvSpPr>
         <p:spPr>
           <a:xfrm>
             <a:off x="452160" y="263160"/>
-            <a:ext cx="5436360" cy="455760"/>
+            <a:ext cx="5436000" cy="455400"/>
           </a:xfrm>
           <a:prstGeom prst="rect">
             <a:avLst/>
@@ -8660,14 +7057,14 @@
       </p:sp>
       <p:sp>
         <p:nvSpPr>
-          <p:cNvPr id="174" name="CustomShape 2"/>
+          <p:cNvPr id="136" name="CustomShape 2"/>
           <p:cNvSpPr/>
           <p:nvPr/>
         </p:nvSpPr>
         <p:spPr>
           <a:xfrm>
             <a:off x="648000" y="1080000"/>
-            <a:ext cx="10799640" cy="5183640"/>
+            <a:ext cx="10799280" cy="5183280"/>
           </a:xfrm>
           <a:prstGeom prst="rect">
             <a:avLst/>
@@ -9358,14 +7755,14 @@
       </p:grpSpPr>
       <p:sp>
         <p:nvSpPr>
-          <p:cNvPr id="175" name="CustomShape 1"/>
+          <p:cNvPr id="137" name="CustomShape 1"/>
           <p:cNvSpPr/>
           <p:nvPr/>
         </p:nvSpPr>
         <p:spPr>
           <a:xfrm>
             <a:off x="452160" y="263160"/>
-            <a:ext cx="5436360" cy="455760"/>
+            <a:ext cx="5436000" cy="455400"/>
           </a:xfrm>
           <a:prstGeom prst="rect">
             <a:avLst/>
@@ -9407,14 +7804,14 @@
       </p:sp>
       <p:sp>
         <p:nvSpPr>
-          <p:cNvPr id="176" name="CustomShape 2"/>
+          <p:cNvPr id="138" name="CustomShape 2"/>
           <p:cNvSpPr/>
           <p:nvPr/>
         </p:nvSpPr>
         <p:spPr>
           <a:xfrm>
             <a:off x="648000" y="1080000"/>
-            <a:ext cx="10799640" cy="5183640"/>
+            <a:ext cx="10799280" cy="5183280"/>
           </a:xfrm>
           <a:prstGeom prst="rect">
             <a:avLst/>
@@ -9609,6 +8006,7 @@
                   <a:srgbClr val="000000"/>
                 </a:solidFill>
                 <a:latin typeface="Calibri"/>
+                <a:ea typeface="DejaVu Sans"/>
               </a:rPr>
               <a:t>。</a:t>
             </a:r>
@@ -9831,6 +8229,7 @@
                   <a:srgbClr val="000000"/>
                 </a:solidFill>
                 <a:latin typeface="Calibri"/>
+                <a:ea typeface="DejaVu Sans"/>
               </a:rPr>
               <a:t>。</a:t>
             </a:r>
@@ -10033,6 +8432,7 @@
                   <a:srgbClr val="000000"/>
                 </a:solidFill>
                 <a:latin typeface="Calibri"/>
+                <a:ea typeface="DejaVu Sans"/>
               </a:rPr>
               <a:t>。</a:t>
             </a:r>
@@ -10055,6 +8455,7 @@
                   <a:srgbClr val="000000"/>
                 </a:solidFill>
                 <a:latin typeface="Calibri"/>
+                <a:ea typeface="DejaVu Sans"/>
               </a:rPr>
               <a:t>    </a:t>
             </a:r>
@@ -10077,6 +8478,7 @@
                   <a:srgbClr val="000000"/>
                 </a:solidFill>
                 <a:latin typeface="Calibri"/>
+                <a:ea typeface="DejaVu Sans"/>
               </a:rPr>
               <a:t>    </a:t>
             </a:r>
@@ -10137,14 +8539,14 @@
       </p:grpSpPr>
       <p:sp>
         <p:nvSpPr>
-          <p:cNvPr id="177" name="CustomShape 1"/>
+          <p:cNvPr id="139" name="CustomShape 1"/>
           <p:cNvSpPr/>
           <p:nvPr/>
         </p:nvSpPr>
         <p:spPr>
           <a:xfrm>
             <a:off x="452160" y="250920"/>
-            <a:ext cx="5436360" cy="455760"/>
+            <a:ext cx="5436000" cy="455400"/>
           </a:xfrm>
           <a:prstGeom prst="rect">
             <a:avLst/>
@@ -10186,14 +8588,14 @@
       </p:sp>
       <p:sp>
         <p:nvSpPr>
-          <p:cNvPr id="178" name="CustomShape 2"/>
+          <p:cNvPr id="140" name="CustomShape 2"/>
           <p:cNvSpPr/>
           <p:nvPr/>
         </p:nvSpPr>
         <p:spPr>
           <a:xfrm>
             <a:off x="648000" y="1080000"/>
-            <a:ext cx="10799640" cy="5183640"/>
+            <a:ext cx="10799280" cy="5183280"/>
           </a:xfrm>
           <a:prstGeom prst="rect">
             <a:avLst/>
@@ -10228,6 +8630,7 @@
                   <a:srgbClr val="000000"/>
                 </a:solidFill>
                 <a:latin typeface="Calibri"/>
+                <a:ea typeface="DejaVu Sans"/>
               </a:rPr>
               <a:t>    </a:t>
             </a:r>
@@ -10237,6 +8640,7 @@
                   <a:srgbClr val="000000"/>
                 </a:solidFill>
                 <a:latin typeface="Calibri"/>
+                <a:ea typeface="DejaVu Sans"/>
               </a:rPr>
               <a:t>小米始终奉行「与用户做朋友、与用户一起玩」的理念，在研发、设计、市场、销售、服务、管理等价值链环节与用户深度互动，在智能手机这个红海市场取得了惊人的业绩。</a:t>
             </a:r>
@@ -10259,6 +8663,7 @@
                   <a:srgbClr val="000000"/>
                 </a:solidFill>
                 <a:latin typeface="Calibri"/>
+                <a:ea typeface="DejaVu Sans"/>
               </a:rPr>
               <a:t>    </a:t>
             </a:r>
@@ -10268,6 +8673,7 @@
                   <a:srgbClr val="000000"/>
                 </a:solidFill>
                 <a:latin typeface="Calibri"/>
+                <a:ea typeface="DejaVu Sans"/>
               </a:rPr>
               <a:t>小米是全球第四大智能手机制造商，在</a:t>
             </a:r>
@@ -10277,6 +8683,7 @@
                   <a:srgbClr val="000000"/>
                 </a:solidFill>
                 <a:latin typeface="Calibri"/>
+                <a:ea typeface="DejaVu Sans"/>
               </a:rPr>
               <a:t>30</a:t>
             </a:r>
@@ -10286,6 +8693,7 @@
                   <a:srgbClr val="000000"/>
                 </a:solidFill>
                 <a:latin typeface="Calibri"/>
+                <a:ea typeface="DejaVu Sans"/>
               </a:rPr>
               <a:t>多个国家和地区的手机市场进入了前五名，特别是在印度，连续</a:t>
             </a:r>
@@ -10295,6 +8703,7 @@
                   <a:srgbClr val="000000"/>
                 </a:solidFill>
                 <a:latin typeface="Calibri"/>
+                <a:ea typeface="DejaVu Sans"/>
               </a:rPr>
               <a:t>5</a:t>
             </a:r>
@@ -10304,6 +8713,7 @@
                   <a:srgbClr val="000000"/>
                 </a:solidFill>
                 <a:latin typeface="Calibri"/>
+                <a:ea typeface="DejaVu Sans"/>
               </a:rPr>
               <a:t>个季度保持手机出货量第一。小米还通过输出独特的创业方法论，带动了更多志同道合的创业者，同时建成了连接超过</a:t>
             </a:r>
@@ -10313,6 +8723,7 @@
                   <a:srgbClr val="000000"/>
                 </a:solidFill>
                 <a:latin typeface="Calibri"/>
+                <a:ea typeface="DejaVu Sans"/>
               </a:rPr>
               <a:t>1.3</a:t>
             </a:r>
@@ -10322,6 +8733,7 @@
                   <a:srgbClr val="000000"/>
                 </a:solidFill>
                 <a:latin typeface="Calibri"/>
+                <a:ea typeface="DejaVu Sans"/>
               </a:rPr>
               <a:t>亿台智能设备的</a:t>
             </a:r>
@@ -10331,6 +8743,7 @@
                   <a:srgbClr val="000000"/>
                 </a:solidFill>
                 <a:latin typeface="Calibri"/>
+                <a:ea typeface="DejaVu Sans"/>
               </a:rPr>
               <a:t>IoT</a:t>
             </a:r>
@@ -10340,6 +8753,7 @@
                   <a:srgbClr val="000000"/>
                 </a:solidFill>
                 <a:latin typeface="Calibri"/>
+                <a:ea typeface="DejaVu Sans"/>
               </a:rPr>
               <a:t>平台。</a:t>
             </a:r>
@@ -10362,6 +8776,7 @@
                   <a:srgbClr val="000000"/>
                 </a:solidFill>
                 <a:latin typeface="Calibri"/>
+                <a:ea typeface="DejaVu Sans"/>
               </a:rPr>
               <a:t>    </a:t>
             </a:r>
@@ -10371,6 +8786,7 @@
                   <a:srgbClr val="000000"/>
                 </a:solidFill>
                 <a:latin typeface="Calibri"/>
+                <a:ea typeface="DejaVu Sans"/>
               </a:rPr>
               <a:t>小米的产品战略</a:t>
             </a:r>
@@ -10380,6 +8796,7 @@
                   <a:srgbClr val="000000"/>
                 </a:solidFill>
                 <a:latin typeface="Calibri"/>
+                <a:ea typeface="DejaVu Sans"/>
               </a:rPr>
               <a:t>:</a:t>
             </a:r>
@@ -10389,6 +8806,7 @@
                   <a:srgbClr val="000000"/>
                 </a:solidFill>
                 <a:latin typeface="Calibri"/>
+                <a:ea typeface="DejaVu Sans"/>
               </a:rPr>
               <a:t>做爆款</a:t>
             </a:r>
@@ -10398,6 +8816,7 @@
                   <a:srgbClr val="000000"/>
                 </a:solidFill>
                 <a:latin typeface="Calibri"/>
+                <a:ea typeface="DejaVu Sans"/>
               </a:rPr>
               <a:t>,</a:t>
             </a:r>
@@ -10407,6 +8826,7 @@
                   <a:srgbClr val="000000"/>
                 </a:solidFill>
                 <a:latin typeface="Calibri"/>
+                <a:ea typeface="DejaVu Sans"/>
               </a:rPr>
               <a:t>智能手机的生态已经不是简单做硬件，在借鉴苹果「软件</a:t>
             </a:r>
@@ -10416,6 +8836,7 @@
                   <a:srgbClr val="000000"/>
                 </a:solidFill>
                 <a:latin typeface="Calibri"/>
+                <a:ea typeface="DejaVu Sans"/>
               </a:rPr>
               <a:t>+</a:t>
             </a:r>
@@ -10425,6 +8846,7 @@
                   <a:srgbClr val="000000"/>
                 </a:solidFill>
                 <a:latin typeface="Calibri"/>
+                <a:ea typeface="DejaVu Sans"/>
               </a:rPr>
               <a:t>硬件</a:t>
             </a:r>
@@ -10434,6 +8856,7 @@
                   <a:srgbClr val="000000"/>
                 </a:solidFill>
                 <a:latin typeface="Calibri"/>
+                <a:ea typeface="DejaVu Sans"/>
               </a:rPr>
               <a:t>+</a:t>
             </a:r>
@@ -10443,6 +8866,7 @@
                   <a:srgbClr val="000000"/>
                 </a:solidFill>
                 <a:latin typeface="Calibri"/>
+                <a:ea typeface="DejaVu Sans"/>
               </a:rPr>
               <a:t>系统」模式基础上，创造性地将小米手机定义为「硬件、软件与互联网服务」深度融合的「铁人三项」，以打造最佳的用户体验。</a:t>
             </a:r>
@@ -10465,6 +8889,7 @@
                   <a:srgbClr val="000000"/>
                 </a:solidFill>
                 <a:latin typeface="Calibri"/>
+                <a:ea typeface="DejaVu Sans"/>
               </a:rPr>
               <a:t>    </a:t>
             </a:r>
@@ -10474,6 +8899,7 @@
                   <a:srgbClr val="000000"/>
                 </a:solidFill>
                 <a:latin typeface="Calibri"/>
+                <a:ea typeface="DejaVu Sans"/>
               </a:rPr>
               <a:t>小米的用户战略</a:t>
             </a:r>
@@ -10483,6 +8909,7 @@
                   <a:srgbClr val="000000"/>
                 </a:solidFill>
                 <a:latin typeface="Calibri"/>
+                <a:ea typeface="DejaVu Sans"/>
               </a:rPr>
               <a:t>:</a:t>
             </a:r>
@@ -10492,6 +8919,7 @@
                   <a:srgbClr val="000000"/>
                 </a:solidFill>
                 <a:latin typeface="Calibri"/>
+                <a:ea typeface="DejaVu Sans"/>
               </a:rPr>
               <a:t>做粉丝以前</a:t>
             </a:r>
@@ -10501,6 +8929,7 @@
                   <a:srgbClr val="000000"/>
                 </a:solidFill>
                 <a:latin typeface="Calibri"/>
+                <a:ea typeface="DejaVu Sans"/>
               </a:rPr>
               <a:t>,</a:t>
             </a:r>
@@ -10510,6 +8939,7 @@
                   <a:srgbClr val="000000"/>
                 </a:solidFill>
                 <a:latin typeface="Calibri"/>
+                <a:ea typeface="DejaVu Sans"/>
               </a:rPr>
               <a:t>企业和用户是买卖关系，而小米奉行的是「与用户做朋友、与用户一起玩」的理念。它先让员工成为自己的粉丝，再让用户成为粉丝。这样，一群爱玩的人，专注于做自己喜欢的产品，把自己爱好的事情做到极致，然后努力和用户做朋友，和用户一起成长，让用户参与进来，这就是小米的用户关系哲学。</a:t>
             </a:r>
@@ -10532,6 +8962,7 @@
                   <a:srgbClr val="000000"/>
                 </a:solidFill>
                 <a:latin typeface="Calibri"/>
+                <a:ea typeface="DejaVu Sans"/>
               </a:rPr>
               <a:t>    </a:t>
             </a:r>
@@ -10592,14 +9023,14 @@
       </p:grpSpPr>
       <p:sp>
         <p:nvSpPr>
-          <p:cNvPr id="179" name="CustomShape 1"/>
+          <p:cNvPr id="141" name="CustomShape 1"/>
           <p:cNvSpPr/>
           <p:nvPr/>
         </p:nvSpPr>
         <p:spPr>
           <a:xfrm>
             <a:off x="452160" y="250920"/>
-            <a:ext cx="5436360" cy="455760"/>
+            <a:ext cx="5436000" cy="455400"/>
           </a:xfrm>
           <a:prstGeom prst="rect">
             <a:avLst/>
@@ -10641,14 +9072,14 @@
       </p:sp>
       <p:sp>
         <p:nvSpPr>
-          <p:cNvPr id="180" name="CustomShape 2"/>
+          <p:cNvPr id="142" name="CustomShape 2"/>
           <p:cNvSpPr/>
           <p:nvPr/>
         </p:nvSpPr>
         <p:spPr>
           <a:xfrm>
             <a:off x="648000" y="1080000"/>
-            <a:ext cx="10799640" cy="5183640"/>
+            <a:ext cx="10799280" cy="5183280"/>
           </a:xfrm>
           <a:prstGeom prst="rect">
             <a:avLst/>
@@ -10683,6 +9114,7 @@
                   <a:srgbClr val="000000"/>
                 </a:solidFill>
                 <a:latin typeface="Calibri"/>
+                <a:ea typeface="DejaVu Sans"/>
               </a:rPr>
               <a:t>    </a:t>
             </a:r>
@@ -10692,6 +9124,7 @@
                   <a:srgbClr val="000000"/>
                 </a:solidFill>
                 <a:latin typeface="Calibri"/>
+                <a:ea typeface="DejaVu Sans"/>
               </a:rPr>
               <a:t>小米的传播战略</a:t>
             </a:r>
@@ -10701,6 +9134,7 @@
                   <a:srgbClr val="000000"/>
                 </a:solidFill>
                 <a:latin typeface="Calibri"/>
+                <a:ea typeface="DejaVu Sans"/>
               </a:rPr>
               <a:t>:</a:t>
             </a:r>
@@ -10710,6 +9144,7 @@
                   <a:srgbClr val="000000"/>
                 </a:solidFill>
                 <a:latin typeface="Calibri"/>
+                <a:ea typeface="DejaVu Sans"/>
               </a:rPr>
               <a:t>小米团队不做硬广告，而是把小米做产品的过程与态度真实、有趣、实用地分享给用户，并引导用户一起创作内容并主动传播。小米做自媒体，做内容运营，输出故事和话题，吸引用户参与，让社交媒体成为传播加速器。</a:t>
             </a:r>
@@ -10732,6 +9167,7 @@
                   <a:srgbClr val="000000"/>
                 </a:solidFill>
                 <a:latin typeface="Calibri"/>
+                <a:ea typeface="DejaVu Sans"/>
               </a:rPr>
               <a:t>    </a:t>
             </a:r>
@@ -10741,6 +9177,7 @@
                   <a:srgbClr val="000000"/>
                 </a:solidFill>
                 <a:latin typeface="Calibri"/>
+                <a:ea typeface="DejaVu Sans"/>
               </a:rPr>
               <a:t>小米与用户之间的交心表现为用诚意的态度、做诚意的产品、报诚意的价格。在产品创新环节，一方面，小米以诚意的态度倾听用户意见。另一方面，小米用诚意做产品，向同仁堂学习使用真材实料。雷军说：「小米坚持选用世界上最好的元器件供应商，选择最好的代工厂做性能上不打折扣的好产品，小米下了极大的功夫去做出一款有诚意的产品。」</a:t>
             </a:r>
@@ -10763,6 +9200,7 @@
                   <a:srgbClr val="000000"/>
                 </a:solidFill>
                 <a:latin typeface="Calibri"/>
+                <a:ea typeface="DejaVu Sans"/>
               </a:rPr>
               <a:t>    </a:t>
             </a:r>
@@ -10823,14 +9261,14 @@
       </p:grpSpPr>
       <p:sp>
         <p:nvSpPr>
-          <p:cNvPr id="181" name="CustomShape 1"/>
+          <p:cNvPr id="143" name="CustomShape 1"/>
           <p:cNvSpPr/>
           <p:nvPr/>
         </p:nvSpPr>
         <p:spPr>
           <a:xfrm>
             <a:off x="452160" y="263160"/>
-            <a:ext cx="5436360" cy="455760"/>
+            <a:ext cx="5436000" cy="455400"/>
           </a:xfrm>
           <a:prstGeom prst="rect">
             <a:avLst/>
@@ -10892,14 +9330,14 @@
       </p:sp>
       <p:sp>
         <p:nvSpPr>
-          <p:cNvPr id="182" name="CustomShape 2"/>
+          <p:cNvPr id="144" name="CustomShape 2"/>
           <p:cNvSpPr/>
           <p:nvPr/>
         </p:nvSpPr>
         <p:spPr>
           <a:xfrm>
             <a:off x="648000" y="1080000"/>
-            <a:ext cx="10799640" cy="5183640"/>
+            <a:ext cx="10799280" cy="5183280"/>
           </a:xfrm>
           <a:prstGeom prst="rect">
             <a:avLst/>
@@ -10954,6 +9392,7 @@
                   <a:srgbClr val="000000"/>
                 </a:solidFill>
                 <a:latin typeface="Calibri"/>
+                <a:ea typeface="DejaVu Sans"/>
               </a:rPr>
               <a:t>。</a:t>
             </a:r>
@@ -11256,6 +9695,7 @@
                   <a:srgbClr val="000000"/>
                 </a:solidFill>
                 <a:latin typeface="Calibri"/>
+                <a:ea typeface="DejaVu Sans"/>
               </a:rPr>
               <a:t>。</a:t>
             </a:r>
@@ -11278,6 +9718,7 @@
                   <a:srgbClr val="000000"/>
                 </a:solidFill>
                 <a:latin typeface="Calibri"/>
+                <a:ea typeface="DejaVu Sans"/>
               </a:rPr>
               <a:t>    </a:t>
             </a:r>
@@ -11338,14 +9779,14 @@
       </p:grpSpPr>
       <p:sp>
         <p:nvSpPr>
-          <p:cNvPr id="183" name="CustomShape 1"/>
+          <p:cNvPr id="145" name="CustomShape 1"/>
           <p:cNvSpPr/>
           <p:nvPr/>
         </p:nvSpPr>
         <p:spPr>
           <a:xfrm>
             <a:off x="452160" y="263160"/>
-            <a:ext cx="5436360" cy="455760"/>
+            <a:ext cx="5436000" cy="455400"/>
           </a:xfrm>
           <a:prstGeom prst="rect">
             <a:avLst/>
@@ -11387,14 +9828,14 @@
       </p:sp>
       <p:sp>
         <p:nvSpPr>
-          <p:cNvPr id="184" name="CustomShape 2"/>
+          <p:cNvPr id="146" name="CustomShape 2"/>
           <p:cNvSpPr/>
           <p:nvPr/>
         </p:nvSpPr>
         <p:spPr>
           <a:xfrm>
             <a:off x="648000" y="1080000"/>
-            <a:ext cx="10799640" cy="5183640"/>
+            <a:ext cx="10799280" cy="5183280"/>
           </a:xfrm>
           <a:prstGeom prst="rect">
             <a:avLst/>
@@ -11629,6 +10070,7 @@
                   <a:srgbClr val="000000"/>
                 </a:solidFill>
                 <a:latin typeface="Calibri"/>
+                <a:ea typeface="DejaVu Sans"/>
               </a:rPr>
               <a:t>。</a:t>
             </a:r>
@@ -11651,6 +10093,7 @@
                   <a:srgbClr val="000000"/>
                 </a:solidFill>
                 <a:latin typeface="Calibri"/>
+                <a:ea typeface="DejaVu Sans"/>
               </a:rPr>
               <a:t>    </a:t>
             </a:r>
@@ -12582,227 +11025,4 @@
     </a:fmtScheme>
   </a:themeElements>
 </a:theme>
-</file>
-
-<file path=ppt/theme/theme5.xml><?xml version="1.0" encoding="utf-8"?>
-<a:theme xmlns:a="http://schemas.openxmlformats.org/drawingml/2006/main" name="Office Theme">
-  <a:themeElements>
-    <a:clrScheme name="Office">
-      <a:dk1>
-        <a:sysClr val="windowText" lastClr="000000"/>
-      </a:dk1>
-      <a:lt1>
-        <a:sysClr val="window" lastClr="FFFFFF"/>
-      </a:lt1>
-      <a:dk2>
-        <a:srgbClr val="1f497d"/>
-      </a:dk2>
-      <a:lt2>
-        <a:srgbClr val="eeece1"/>
-      </a:lt2>
-      <a:accent1>
-        <a:srgbClr val="4f81bd"/>
-      </a:accent1>
-      <a:accent2>
-        <a:srgbClr val="c0504d"/>
-      </a:accent2>
-      <a:accent3>
-        <a:srgbClr val="9bbb59"/>
-      </a:accent3>
-      <a:accent4>
-        <a:srgbClr val="8064a2"/>
-      </a:accent4>
-      <a:accent5>
-        <a:srgbClr val="4bacc6"/>
-      </a:accent5>
-      <a:accent6>
-        <a:srgbClr val="f79646"/>
-      </a:accent6>
-      <a:hlink>
-        <a:srgbClr val="0000ff"/>
-      </a:hlink>
-      <a:folHlink>
-        <a:srgbClr val="800080"/>
-      </a:folHlink>
-    </a:clrScheme>
-    <a:fontScheme name="Office">
-      <a:majorFont>
-        <a:latin typeface="Arial"/>
-        <a:ea typeface="DejaVu Sans"/>
-        <a:cs typeface="DejaVu Sans"/>
-      </a:majorFont>
-      <a:minorFont>
-        <a:latin typeface="Arial"/>
-        <a:ea typeface="DejaVu Sans"/>
-        <a:cs typeface="DejaVu Sans"/>
-      </a:minorFont>
-    </a:fontScheme>
-    <a:fmtScheme name="Office">
-      <a:fillStyleLst>
-        <a:solidFill>
-          <a:schemeClr val="phClr"/>
-        </a:solidFill>
-        <a:gradFill rotWithShape="1">
-          <a:gsLst>
-            <a:gs pos="0">
-              <a:schemeClr val="phClr">
-                <a:tint val="50000"/>
-                <a:satMod val="300000"/>
-              </a:schemeClr>
-            </a:gs>
-            <a:gs pos="35000">
-              <a:schemeClr val="phClr">
-                <a:tint val="37000"/>
-                <a:satMod val="300000"/>
-              </a:schemeClr>
-            </a:gs>
-            <a:gs pos="100000">
-              <a:schemeClr val="phClr">
-                <a:tint val="15000"/>
-                <a:satMod val="350000"/>
-              </a:schemeClr>
-            </a:gs>
-          </a:gsLst>
-          <a:lin ang="16200000" scaled="1"/>
-        </a:gradFill>
-        <a:gradFill rotWithShape="1">
-          <a:gsLst>
-            <a:gs pos="0">
-              <a:schemeClr val="phClr">
-                <a:shade val="51000"/>
-                <a:satMod val="130000"/>
-              </a:schemeClr>
-            </a:gs>
-            <a:gs pos="80000">
-              <a:schemeClr val="phClr">
-                <a:shade val="93000"/>
-                <a:satMod val="130000"/>
-              </a:schemeClr>
-            </a:gs>
-            <a:gs pos="100000">
-              <a:schemeClr val="phClr">
-                <a:shade val="94000"/>
-                <a:satMod val="135000"/>
-              </a:schemeClr>
-            </a:gs>
-          </a:gsLst>
-          <a:lin ang="16200000" scaled="0"/>
-        </a:gradFill>
-      </a:fillStyleLst>
-      <a:lnStyleLst>
-        <a:ln w="9525" cap="flat" cmpd="sng" algn="ctr">
-          <a:solidFill>
-            <a:schemeClr val="phClr">
-              <a:shade val="95000"/>
-              <a:satMod val="105000"/>
-            </a:schemeClr>
-          </a:solidFill>
-          <a:prstDash val="solid"/>
-        </a:ln>
-        <a:ln w="25400" cap="flat" cmpd="sng" algn="ctr">
-          <a:solidFill>
-            <a:schemeClr val="phClr"/>
-          </a:solidFill>
-          <a:prstDash val="solid"/>
-        </a:ln>
-        <a:ln w="38100" cap="flat" cmpd="sng" algn="ctr">
-          <a:solidFill>
-            <a:schemeClr val="phClr"/>
-          </a:solidFill>
-          <a:prstDash val="solid"/>
-        </a:ln>
-      </a:lnStyleLst>
-      <a:effectStyleLst>
-        <a:effectStyle>
-          <a:effectLst>
-            <a:outerShdw blurRad="40000" dist="20000" dir="5400000" rotWithShape="0">
-              <a:srgbClr val="000000">
-                <a:alpha val="38000"/>
-              </a:srgbClr>
-            </a:outerShdw>
-          </a:effectLst>
-        </a:effectStyle>
-        <a:effectStyle>
-          <a:effectLst>
-            <a:outerShdw blurRad="40000" dist="23000" dir="5400000" rotWithShape="0">
-              <a:srgbClr val="000000">
-                <a:alpha val="35000"/>
-              </a:srgbClr>
-            </a:outerShdw>
-          </a:effectLst>
-        </a:effectStyle>
-        <a:effectStyle>
-          <a:effectLst>
-            <a:outerShdw blurRad="40000" dist="23000" dir="5400000" rotWithShape="0">
-              <a:srgbClr val="000000">
-                <a:alpha val="35000"/>
-              </a:srgbClr>
-            </a:outerShdw>
-          </a:effectLst>
-          <a:scene3d>
-            <a:camera prst="orthographicFront">
-              <a:rot lat="0" lon="0" rev="0"/>
-            </a:camera>
-            <a:lightRig rig="threePt" dir="t">
-              <a:rot lat="0" lon="0" rev="1200000"/>
-            </a:lightRig>
-          </a:scene3d>
-          <a:sp3d>
-            <a:bevelT w="63500" h="25400"/>
-          </a:sp3d>
-        </a:effectStyle>
-      </a:effectStyleLst>
-      <a:bgFillStyleLst>
-        <a:solidFill>
-          <a:schemeClr val="phClr"/>
-        </a:solidFill>
-        <a:gradFill rotWithShape="1">
-          <a:gsLst>
-            <a:gs pos="0">
-              <a:schemeClr val="phClr">
-                <a:tint val="40000"/>
-                <a:satMod val="350000"/>
-              </a:schemeClr>
-            </a:gs>
-            <a:gs pos="40000">
-              <a:schemeClr val="phClr">
-                <a:tint val="45000"/>
-                <a:shade val="99000"/>
-                <a:satMod val="350000"/>
-              </a:schemeClr>
-            </a:gs>
-            <a:gs pos="100000">
-              <a:schemeClr val="phClr">
-                <a:shade val="20000"/>
-                <a:satMod val="255000"/>
-              </a:schemeClr>
-            </a:gs>
-          </a:gsLst>
-          <a:path path="circle">
-            <a:fillToRect l="50000" t="-80000" r="50000" b="180000"/>
-          </a:path>
-        </a:gradFill>
-        <a:gradFill rotWithShape="1">
-          <a:gsLst>
-            <a:gs pos="0">
-              <a:schemeClr val="phClr">
-                <a:tint val="80000"/>
-                <a:satMod val="300000"/>
-              </a:schemeClr>
-            </a:gs>
-            <a:gs pos="100000">
-              <a:schemeClr val="phClr">
-                <a:shade val="30000"/>
-                <a:satMod val="200000"/>
-              </a:schemeClr>
-            </a:gs>
-          </a:gsLst>
-          <a:path path="circle">
-            <a:fillToRect l="50000" t="50000" r="50000" b="50000"/>
-          </a:path>
-        </a:gradFill>
-      </a:bgFillStyleLst>
-    </a:fmtScheme>
-  </a:themeElements>
-</a:theme>
 </file>